--- a/DOCUMENTATION/LTE_Cell_Search_Hardware_Description.pptx
+++ b/DOCUMENTATION/LTE_Cell_Search_Hardware_Description.pptx
@@ -7,8 +7,10 @@
   <p:sldIdLst>
     <p:sldId id="256" r:id="rId2"/>
     <p:sldId id="257" r:id="rId3"/>
-    <p:sldId id="258" r:id="rId4"/>
-    <p:sldId id="259" r:id="rId5"/>
+    <p:sldId id="260" r:id="rId4"/>
+    <p:sldId id="258" r:id="rId5"/>
+    <p:sldId id="259" r:id="rId6"/>
+    <p:sldId id="261" r:id="rId7"/>
   </p:sldIdLst>
   <p:sldSz cx="12192000" cy="6858000"/>
   <p:notesSz cx="6858000" cy="9144000"/>
@@ -302,7 +304,7 @@
           <p:cNvPr id="2" name="Title 1">
             <a:extLst>
               <a:ext uri="{FF2B5EF4-FFF2-40B4-BE49-F238E27FC236}">
-                <a16:creationId xmlns:a16="http://schemas.microsoft.com/office/drawing/2014/main" id="{FBF7B4D9-FCA1-4588-B27F-82E24C0624C6}"/>
+                <a16:creationId xmlns="" xmlns:a16="http://schemas.microsoft.com/office/drawing/2014/main" id="{FBF7B4D9-FCA1-4588-B27F-82E24C0624C6}"/>
               </a:ext>
             </a:extLst>
           </p:cNvPr>
@@ -339,7 +341,7 @@
           <p:cNvPr id="3" name="Subtitle 2">
             <a:extLst>
               <a:ext uri="{FF2B5EF4-FFF2-40B4-BE49-F238E27FC236}">
-                <a16:creationId xmlns:a16="http://schemas.microsoft.com/office/drawing/2014/main" id="{D71B5970-9D83-4231-BA2A-0DE4E881011E}"/>
+                <a16:creationId xmlns="" xmlns:a16="http://schemas.microsoft.com/office/drawing/2014/main" id="{D71B5970-9D83-4231-BA2A-0DE4E881011E}"/>
               </a:ext>
             </a:extLst>
           </p:cNvPr>
@@ -409,7 +411,7 @@
           <p:cNvPr id="4" name="Date Placeholder 3">
             <a:extLst>
               <a:ext uri="{FF2B5EF4-FFF2-40B4-BE49-F238E27FC236}">
-                <a16:creationId xmlns:a16="http://schemas.microsoft.com/office/drawing/2014/main" id="{4D2DEB51-4E1D-4B6A-82E8-F8B68D89A0FA}"/>
+                <a16:creationId xmlns="" xmlns:a16="http://schemas.microsoft.com/office/drawing/2014/main" id="{4D2DEB51-4E1D-4B6A-82E8-F8B68D89A0FA}"/>
               </a:ext>
             </a:extLst>
           </p:cNvPr>
@@ -427,7 +429,7 @@
           <a:p>
             <a:fld id="{6F562F50-5C96-447F-8F10-2C20C379AB00}" type="datetimeFigureOut">
               <a:rPr lang="en-US" smtClean="0"/>
-              <a:t>6/1/2022</a:t>
+              <a:t>6/8/2022</a:t>
             </a:fld>
             <a:endParaRPr lang="en-US"/>
           </a:p>
@@ -438,7 +440,7 @@
           <p:cNvPr id="5" name="Footer Placeholder 4">
             <a:extLst>
               <a:ext uri="{FF2B5EF4-FFF2-40B4-BE49-F238E27FC236}">
-                <a16:creationId xmlns:a16="http://schemas.microsoft.com/office/drawing/2014/main" id="{A4428B99-E7A5-4FF7-ABBA-BDF397C2CE47}"/>
+                <a16:creationId xmlns="" xmlns:a16="http://schemas.microsoft.com/office/drawing/2014/main" id="{A4428B99-E7A5-4FF7-ABBA-BDF397C2CE47}"/>
               </a:ext>
             </a:extLst>
           </p:cNvPr>
@@ -463,7 +465,7 @@
           <p:cNvPr id="6" name="Slide Number Placeholder 5">
             <a:extLst>
               <a:ext uri="{FF2B5EF4-FFF2-40B4-BE49-F238E27FC236}">
-                <a16:creationId xmlns:a16="http://schemas.microsoft.com/office/drawing/2014/main" id="{B79E7098-6B82-4861-8A6C-9F19C6C11D8B}"/>
+                <a16:creationId xmlns="" xmlns:a16="http://schemas.microsoft.com/office/drawing/2014/main" id="{B79E7098-6B82-4861-8A6C-9F19C6C11D8B}"/>
               </a:ext>
             </a:extLst>
           </p:cNvPr>
@@ -522,7 +524,7 @@
           <p:cNvPr id="2" name="Title 1">
             <a:extLst>
               <a:ext uri="{FF2B5EF4-FFF2-40B4-BE49-F238E27FC236}">
-                <a16:creationId xmlns:a16="http://schemas.microsoft.com/office/drawing/2014/main" id="{F14ADC40-BD43-4E68-B842-4978E9BC66CF}"/>
+                <a16:creationId xmlns="" xmlns:a16="http://schemas.microsoft.com/office/drawing/2014/main" id="{F14ADC40-BD43-4E68-B842-4978E9BC66CF}"/>
               </a:ext>
             </a:extLst>
           </p:cNvPr>
@@ -550,7 +552,7 @@
           <p:cNvPr id="3" name="Vertical Text Placeholder 2">
             <a:extLst>
               <a:ext uri="{FF2B5EF4-FFF2-40B4-BE49-F238E27FC236}">
-                <a16:creationId xmlns:a16="http://schemas.microsoft.com/office/drawing/2014/main" id="{C24B7A6F-1CEA-44FE-ADA0-153A12763885}"/>
+                <a16:creationId xmlns="" xmlns:a16="http://schemas.microsoft.com/office/drawing/2014/main" id="{C24B7A6F-1CEA-44FE-ADA0-153A12763885}"/>
               </a:ext>
             </a:extLst>
           </p:cNvPr>
@@ -607,7 +609,7 @@
           <p:cNvPr id="4" name="Date Placeholder 3">
             <a:extLst>
               <a:ext uri="{FF2B5EF4-FFF2-40B4-BE49-F238E27FC236}">
-                <a16:creationId xmlns:a16="http://schemas.microsoft.com/office/drawing/2014/main" id="{BCF999BD-BA75-46F9-8767-BAAE4F66ABBA}"/>
+                <a16:creationId xmlns="" xmlns:a16="http://schemas.microsoft.com/office/drawing/2014/main" id="{BCF999BD-BA75-46F9-8767-BAAE4F66ABBA}"/>
               </a:ext>
             </a:extLst>
           </p:cNvPr>
@@ -625,7 +627,7 @@
           <a:p>
             <a:fld id="{6F562F50-5C96-447F-8F10-2C20C379AB00}" type="datetimeFigureOut">
               <a:rPr lang="en-US" smtClean="0"/>
-              <a:t>6/1/2022</a:t>
+              <a:t>6/8/2022</a:t>
             </a:fld>
             <a:endParaRPr lang="en-US"/>
           </a:p>
@@ -636,7 +638,7 @@
           <p:cNvPr id="5" name="Footer Placeholder 4">
             <a:extLst>
               <a:ext uri="{FF2B5EF4-FFF2-40B4-BE49-F238E27FC236}">
-                <a16:creationId xmlns:a16="http://schemas.microsoft.com/office/drawing/2014/main" id="{D9EEDFA8-5352-4F7B-99EC-32DC37F2CD99}"/>
+                <a16:creationId xmlns="" xmlns:a16="http://schemas.microsoft.com/office/drawing/2014/main" id="{D9EEDFA8-5352-4F7B-99EC-32DC37F2CD99}"/>
               </a:ext>
             </a:extLst>
           </p:cNvPr>
@@ -661,7 +663,7 @@
           <p:cNvPr id="6" name="Slide Number Placeholder 5">
             <a:extLst>
               <a:ext uri="{FF2B5EF4-FFF2-40B4-BE49-F238E27FC236}">
-                <a16:creationId xmlns:a16="http://schemas.microsoft.com/office/drawing/2014/main" id="{8DEA7261-D936-4A16-94B5-F69284B99BD7}"/>
+                <a16:creationId xmlns="" xmlns:a16="http://schemas.microsoft.com/office/drawing/2014/main" id="{8DEA7261-D936-4A16-94B5-F69284B99BD7}"/>
               </a:ext>
             </a:extLst>
           </p:cNvPr>
@@ -720,7 +722,7 @@
           <p:cNvPr id="2" name="Vertical Title 1">
             <a:extLst>
               <a:ext uri="{FF2B5EF4-FFF2-40B4-BE49-F238E27FC236}">
-                <a16:creationId xmlns:a16="http://schemas.microsoft.com/office/drawing/2014/main" id="{57DA3712-364B-4A15-994A-92F01AC3523E}"/>
+                <a16:creationId xmlns="" xmlns:a16="http://schemas.microsoft.com/office/drawing/2014/main" id="{57DA3712-364B-4A15-994A-92F01AC3523E}"/>
               </a:ext>
             </a:extLst>
           </p:cNvPr>
@@ -753,7 +755,7 @@
           <p:cNvPr id="3" name="Vertical Text Placeholder 2">
             <a:extLst>
               <a:ext uri="{FF2B5EF4-FFF2-40B4-BE49-F238E27FC236}">
-                <a16:creationId xmlns:a16="http://schemas.microsoft.com/office/drawing/2014/main" id="{312B4012-285A-493C-881F-F5D60D07F145}"/>
+                <a16:creationId xmlns="" xmlns:a16="http://schemas.microsoft.com/office/drawing/2014/main" id="{312B4012-285A-493C-881F-F5D60D07F145}"/>
               </a:ext>
             </a:extLst>
           </p:cNvPr>
@@ -815,7 +817,7 @@
           <p:cNvPr id="4" name="Date Placeholder 3">
             <a:extLst>
               <a:ext uri="{FF2B5EF4-FFF2-40B4-BE49-F238E27FC236}">
-                <a16:creationId xmlns:a16="http://schemas.microsoft.com/office/drawing/2014/main" id="{0530C336-BB01-443F-933E-781BD1AE0861}"/>
+                <a16:creationId xmlns="" xmlns:a16="http://schemas.microsoft.com/office/drawing/2014/main" id="{0530C336-BB01-443F-933E-781BD1AE0861}"/>
               </a:ext>
             </a:extLst>
           </p:cNvPr>
@@ -833,7 +835,7 @@
           <a:p>
             <a:fld id="{6F562F50-5C96-447F-8F10-2C20C379AB00}" type="datetimeFigureOut">
               <a:rPr lang="en-US" smtClean="0"/>
-              <a:t>6/1/2022</a:t>
+              <a:t>6/8/2022</a:t>
             </a:fld>
             <a:endParaRPr lang="en-US"/>
           </a:p>
@@ -844,7 +846,7 @@
           <p:cNvPr id="5" name="Footer Placeholder 4">
             <a:extLst>
               <a:ext uri="{FF2B5EF4-FFF2-40B4-BE49-F238E27FC236}">
-                <a16:creationId xmlns:a16="http://schemas.microsoft.com/office/drawing/2014/main" id="{ABE86D15-EB24-4AD6-A66C-63F8CF8BFF6C}"/>
+                <a16:creationId xmlns="" xmlns:a16="http://schemas.microsoft.com/office/drawing/2014/main" id="{ABE86D15-EB24-4AD6-A66C-63F8CF8BFF6C}"/>
               </a:ext>
             </a:extLst>
           </p:cNvPr>
@@ -869,7 +871,7 @@
           <p:cNvPr id="6" name="Slide Number Placeholder 5">
             <a:extLst>
               <a:ext uri="{FF2B5EF4-FFF2-40B4-BE49-F238E27FC236}">
-                <a16:creationId xmlns:a16="http://schemas.microsoft.com/office/drawing/2014/main" id="{98BEF66A-F2B9-4E25-AC31-783C9B2F80B0}"/>
+                <a16:creationId xmlns="" xmlns:a16="http://schemas.microsoft.com/office/drawing/2014/main" id="{98BEF66A-F2B9-4E25-AC31-783C9B2F80B0}"/>
               </a:ext>
             </a:extLst>
           </p:cNvPr>
@@ -928,7 +930,7 @@
           <p:cNvPr id="2" name="Title 1">
             <a:extLst>
               <a:ext uri="{FF2B5EF4-FFF2-40B4-BE49-F238E27FC236}">
-                <a16:creationId xmlns:a16="http://schemas.microsoft.com/office/drawing/2014/main" id="{29CA36A3-8FEA-4A2B-B4AE-3E725FAC906E}"/>
+                <a16:creationId xmlns="" xmlns:a16="http://schemas.microsoft.com/office/drawing/2014/main" id="{29CA36A3-8FEA-4A2B-B4AE-3E725FAC906E}"/>
               </a:ext>
             </a:extLst>
           </p:cNvPr>
@@ -956,7 +958,7 @@
           <p:cNvPr id="3" name="Content Placeholder 2">
             <a:extLst>
               <a:ext uri="{FF2B5EF4-FFF2-40B4-BE49-F238E27FC236}">
-                <a16:creationId xmlns:a16="http://schemas.microsoft.com/office/drawing/2014/main" id="{97467675-AB6C-4821-8BB5-967EA7F025E8}"/>
+                <a16:creationId xmlns="" xmlns:a16="http://schemas.microsoft.com/office/drawing/2014/main" id="{97467675-AB6C-4821-8BB5-967EA7F025E8}"/>
               </a:ext>
             </a:extLst>
           </p:cNvPr>
@@ -1013,7 +1015,7 @@
           <p:cNvPr id="4" name="Date Placeholder 3">
             <a:extLst>
               <a:ext uri="{FF2B5EF4-FFF2-40B4-BE49-F238E27FC236}">
-                <a16:creationId xmlns:a16="http://schemas.microsoft.com/office/drawing/2014/main" id="{171D79EB-BE13-4259-BE85-B67B44E0F259}"/>
+                <a16:creationId xmlns="" xmlns:a16="http://schemas.microsoft.com/office/drawing/2014/main" id="{171D79EB-BE13-4259-BE85-B67B44E0F259}"/>
               </a:ext>
             </a:extLst>
           </p:cNvPr>
@@ -1031,7 +1033,7 @@
           <a:p>
             <a:fld id="{6F562F50-5C96-447F-8F10-2C20C379AB00}" type="datetimeFigureOut">
               <a:rPr lang="en-US" smtClean="0"/>
-              <a:t>6/1/2022</a:t>
+              <a:t>6/8/2022</a:t>
             </a:fld>
             <a:endParaRPr lang="en-US"/>
           </a:p>
@@ -1042,7 +1044,7 @@
           <p:cNvPr id="5" name="Footer Placeholder 4">
             <a:extLst>
               <a:ext uri="{FF2B5EF4-FFF2-40B4-BE49-F238E27FC236}">
-                <a16:creationId xmlns:a16="http://schemas.microsoft.com/office/drawing/2014/main" id="{B0FEC7E3-81FA-48CC-AC10-225E4B09A624}"/>
+                <a16:creationId xmlns="" xmlns:a16="http://schemas.microsoft.com/office/drawing/2014/main" id="{B0FEC7E3-81FA-48CC-AC10-225E4B09A624}"/>
               </a:ext>
             </a:extLst>
           </p:cNvPr>
@@ -1067,7 +1069,7 @@
           <p:cNvPr id="6" name="Slide Number Placeholder 5">
             <a:extLst>
               <a:ext uri="{FF2B5EF4-FFF2-40B4-BE49-F238E27FC236}">
-                <a16:creationId xmlns:a16="http://schemas.microsoft.com/office/drawing/2014/main" id="{92148F53-A474-4DFE-B0C2-C0B4C64FB838}"/>
+                <a16:creationId xmlns="" xmlns:a16="http://schemas.microsoft.com/office/drawing/2014/main" id="{92148F53-A474-4DFE-B0C2-C0B4C64FB838}"/>
               </a:ext>
             </a:extLst>
           </p:cNvPr>
@@ -1126,7 +1128,7 @@
           <p:cNvPr id="2" name="Title 1">
             <a:extLst>
               <a:ext uri="{FF2B5EF4-FFF2-40B4-BE49-F238E27FC236}">
-                <a16:creationId xmlns:a16="http://schemas.microsoft.com/office/drawing/2014/main" id="{C3F52490-D5A2-448E-90D9-B01C50AF3264}"/>
+                <a16:creationId xmlns="" xmlns:a16="http://schemas.microsoft.com/office/drawing/2014/main" id="{C3F52490-D5A2-448E-90D9-B01C50AF3264}"/>
               </a:ext>
             </a:extLst>
           </p:cNvPr>
@@ -1163,7 +1165,7 @@
           <p:cNvPr id="3" name="Text Placeholder 2">
             <a:extLst>
               <a:ext uri="{FF2B5EF4-FFF2-40B4-BE49-F238E27FC236}">
-                <a16:creationId xmlns:a16="http://schemas.microsoft.com/office/drawing/2014/main" id="{58A140C7-FBEA-4DD9-809D-F48EE6440127}"/>
+                <a16:creationId xmlns="" xmlns:a16="http://schemas.microsoft.com/office/drawing/2014/main" id="{58A140C7-FBEA-4DD9-809D-F48EE6440127}"/>
               </a:ext>
             </a:extLst>
           </p:cNvPr>
@@ -1288,7 +1290,7 @@
           <p:cNvPr id="4" name="Date Placeholder 3">
             <a:extLst>
               <a:ext uri="{FF2B5EF4-FFF2-40B4-BE49-F238E27FC236}">
-                <a16:creationId xmlns:a16="http://schemas.microsoft.com/office/drawing/2014/main" id="{65C600D6-008F-41DE-ACD0-97F15663B453}"/>
+                <a16:creationId xmlns="" xmlns:a16="http://schemas.microsoft.com/office/drawing/2014/main" id="{65C600D6-008F-41DE-ACD0-97F15663B453}"/>
               </a:ext>
             </a:extLst>
           </p:cNvPr>
@@ -1306,7 +1308,7 @@
           <a:p>
             <a:fld id="{6F562F50-5C96-447F-8F10-2C20C379AB00}" type="datetimeFigureOut">
               <a:rPr lang="en-US" smtClean="0"/>
-              <a:t>6/1/2022</a:t>
+              <a:t>6/8/2022</a:t>
             </a:fld>
             <a:endParaRPr lang="en-US"/>
           </a:p>
@@ -1317,7 +1319,7 @@
           <p:cNvPr id="5" name="Footer Placeholder 4">
             <a:extLst>
               <a:ext uri="{FF2B5EF4-FFF2-40B4-BE49-F238E27FC236}">
-                <a16:creationId xmlns:a16="http://schemas.microsoft.com/office/drawing/2014/main" id="{7C5F142E-9456-4273-A929-18DFCC2ACBB2}"/>
+                <a16:creationId xmlns="" xmlns:a16="http://schemas.microsoft.com/office/drawing/2014/main" id="{7C5F142E-9456-4273-A929-18DFCC2ACBB2}"/>
               </a:ext>
             </a:extLst>
           </p:cNvPr>
@@ -1342,7 +1344,7 @@
           <p:cNvPr id="6" name="Slide Number Placeholder 5">
             <a:extLst>
               <a:ext uri="{FF2B5EF4-FFF2-40B4-BE49-F238E27FC236}">
-                <a16:creationId xmlns:a16="http://schemas.microsoft.com/office/drawing/2014/main" id="{E495A924-30BC-40EA-A12C-7E1C2A7D83DE}"/>
+                <a16:creationId xmlns="" xmlns:a16="http://schemas.microsoft.com/office/drawing/2014/main" id="{E495A924-30BC-40EA-A12C-7E1C2A7D83DE}"/>
               </a:ext>
             </a:extLst>
           </p:cNvPr>
@@ -1401,7 +1403,7 @@
           <p:cNvPr id="2" name="Title 1">
             <a:extLst>
               <a:ext uri="{FF2B5EF4-FFF2-40B4-BE49-F238E27FC236}">
-                <a16:creationId xmlns:a16="http://schemas.microsoft.com/office/drawing/2014/main" id="{FA08593F-E126-4151-9D74-C4C967C2D578}"/>
+                <a16:creationId xmlns="" xmlns:a16="http://schemas.microsoft.com/office/drawing/2014/main" id="{FA08593F-E126-4151-9D74-C4C967C2D578}"/>
               </a:ext>
             </a:extLst>
           </p:cNvPr>
@@ -1429,7 +1431,7 @@
           <p:cNvPr id="3" name="Content Placeholder 2">
             <a:extLst>
               <a:ext uri="{FF2B5EF4-FFF2-40B4-BE49-F238E27FC236}">
-                <a16:creationId xmlns:a16="http://schemas.microsoft.com/office/drawing/2014/main" id="{E4A45926-8C42-4D92-9893-815931AD79D1}"/>
+                <a16:creationId xmlns="" xmlns:a16="http://schemas.microsoft.com/office/drawing/2014/main" id="{E4A45926-8C42-4D92-9893-815931AD79D1}"/>
               </a:ext>
             </a:extLst>
           </p:cNvPr>
@@ -1491,7 +1493,7 @@
           <p:cNvPr id="4" name="Content Placeholder 3">
             <a:extLst>
               <a:ext uri="{FF2B5EF4-FFF2-40B4-BE49-F238E27FC236}">
-                <a16:creationId xmlns:a16="http://schemas.microsoft.com/office/drawing/2014/main" id="{DF29F378-B3DE-4800-83EF-1DE7EAA41762}"/>
+                <a16:creationId xmlns="" xmlns:a16="http://schemas.microsoft.com/office/drawing/2014/main" id="{DF29F378-B3DE-4800-83EF-1DE7EAA41762}"/>
               </a:ext>
             </a:extLst>
           </p:cNvPr>
@@ -1553,7 +1555,7 @@
           <p:cNvPr id="5" name="Date Placeholder 4">
             <a:extLst>
               <a:ext uri="{FF2B5EF4-FFF2-40B4-BE49-F238E27FC236}">
-                <a16:creationId xmlns:a16="http://schemas.microsoft.com/office/drawing/2014/main" id="{4494243F-7A34-4FA4-B357-030FD9B615C6}"/>
+                <a16:creationId xmlns="" xmlns:a16="http://schemas.microsoft.com/office/drawing/2014/main" id="{4494243F-7A34-4FA4-B357-030FD9B615C6}"/>
               </a:ext>
             </a:extLst>
           </p:cNvPr>
@@ -1571,7 +1573,7 @@
           <a:p>
             <a:fld id="{6F562F50-5C96-447F-8F10-2C20C379AB00}" type="datetimeFigureOut">
               <a:rPr lang="en-US" smtClean="0"/>
-              <a:t>6/1/2022</a:t>
+              <a:t>6/8/2022</a:t>
             </a:fld>
             <a:endParaRPr lang="en-US"/>
           </a:p>
@@ -1582,7 +1584,7 @@
           <p:cNvPr id="6" name="Footer Placeholder 5">
             <a:extLst>
               <a:ext uri="{FF2B5EF4-FFF2-40B4-BE49-F238E27FC236}">
-                <a16:creationId xmlns:a16="http://schemas.microsoft.com/office/drawing/2014/main" id="{8066FA4F-9283-44D4-AFB4-8EDEA57507C5}"/>
+                <a16:creationId xmlns="" xmlns:a16="http://schemas.microsoft.com/office/drawing/2014/main" id="{8066FA4F-9283-44D4-AFB4-8EDEA57507C5}"/>
               </a:ext>
             </a:extLst>
           </p:cNvPr>
@@ -1607,7 +1609,7 @@
           <p:cNvPr id="7" name="Slide Number Placeholder 6">
             <a:extLst>
               <a:ext uri="{FF2B5EF4-FFF2-40B4-BE49-F238E27FC236}">
-                <a16:creationId xmlns:a16="http://schemas.microsoft.com/office/drawing/2014/main" id="{1939EE72-D57A-4C06-AE7E-ED2234BE24DB}"/>
+                <a16:creationId xmlns="" xmlns:a16="http://schemas.microsoft.com/office/drawing/2014/main" id="{1939EE72-D57A-4C06-AE7E-ED2234BE24DB}"/>
               </a:ext>
             </a:extLst>
           </p:cNvPr>
@@ -1666,7 +1668,7 @@
           <p:cNvPr id="2" name="Title 1">
             <a:extLst>
               <a:ext uri="{FF2B5EF4-FFF2-40B4-BE49-F238E27FC236}">
-                <a16:creationId xmlns:a16="http://schemas.microsoft.com/office/drawing/2014/main" id="{930CFA66-B3EC-4765-857B-DE573ED4CF01}"/>
+                <a16:creationId xmlns="" xmlns:a16="http://schemas.microsoft.com/office/drawing/2014/main" id="{930CFA66-B3EC-4765-857B-DE573ED4CF01}"/>
               </a:ext>
             </a:extLst>
           </p:cNvPr>
@@ -1699,7 +1701,7 @@
           <p:cNvPr id="3" name="Text Placeholder 2">
             <a:extLst>
               <a:ext uri="{FF2B5EF4-FFF2-40B4-BE49-F238E27FC236}">
-                <a16:creationId xmlns:a16="http://schemas.microsoft.com/office/drawing/2014/main" id="{970F97C3-552A-4051-9BC5-844BA203AE88}"/>
+                <a16:creationId xmlns="" xmlns:a16="http://schemas.microsoft.com/office/drawing/2014/main" id="{970F97C3-552A-4051-9BC5-844BA203AE88}"/>
               </a:ext>
             </a:extLst>
           </p:cNvPr>
@@ -1770,7 +1772,7 @@
           <p:cNvPr id="4" name="Content Placeholder 3">
             <a:extLst>
               <a:ext uri="{FF2B5EF4-FFF2-40B4-BE49-F238E27FC236}">
-                <a16:creationId xmlns:a16="http://schemas.microsoft.com/office/drawing/2014/main" id="{A6D140DF-D126-429D-84A7-6E29F300ABEE}"/>
+                <a16:creationId xmlns="" xmlns:a16="http://schemas.microsoft.com/office/drawing/2014/main" id="{A6D140DF-D126-429D-84A7-6E29F300ABEE}"/>
               </a:ext>
             </a:extLst>
           </p:cNvPr>
@@ -1832,7 +1834,7 @@
           <p:cNvPr id="5" name="Text Placeholder 4">
             <a:extLst>
               <a:ext uri="{FF2B5EF4-FFF2-40B4-BE49-F238E27FC236}">
-                <a16:creationId xmlns:a16="http://schemas.microsoft.com/office/drawing/2014/main" id="{0E019802-47ED-4D2A-AFC9-D80817154BA0}"/>
+                <a16:creationId xmlns="" xmlns:a16="http://schemas.microsoft.com/office/drawing/2014/main" id="{0E019802-47ED-4D2A-AFC9-D80817154BA0}"/>
               </a:ext>
             </a:extLst>
           </p:cNvPr>
@@ -1903,7 +1905,7 @@
           <p:cNvPr id="6" name="Content Placeholder 5">
             <a:extLst>
               <a:ext uri="{FF2B5EF4-FFF2-40B4-BE49-F238E27FC236}">
-                <a16:creationId xmlns:a16="http://schemas.microsoft.com/office/drawing/2014/main" id="{764964EA-A2EA-4F07-B20E-46DDAED57979}"/>
+                <a16:creationId xmlns="" xmlns:a16="http://schemas.microsoft.com/office/drawing/2014/main" id="{764964EA-A2EA-4F07-B20E-46DDAED57979}"/>
               </a:ext>
             </a:extLst>
           </p:cNvPr>
@@ -1965,7 +1967,7 @@
           <p:cNvPr id="7" name="Date Placeholder 6">
             <a:extLst>
               <a:ext uri="{FF2B5EF4-FFF2-40B4-BE49-F238E27FC236}">
-                <a16:creationId xmlns:a16="http://schemas.microsoft.com/office/drawing/2014/main" id="{D8F14B9A-33EC-4722-B0AB-802B623B73DF}"/>
+                <a16:creationId xmlns="" xmlns:a16="http://schemas.microsoft.com/office/drawing/2014/main" id="{D8F14B9A-33EC-4722-B0AB-802B623B73DF}"/>
               </a:ext>
             </a:extLst>
           </p:cNvPr>
@@ -1983,7 +1985,7 @@
           <a:p>
             <a:fld id="{6F562F50-5C96-447F-8F10-2C20C379AB00}" type="datetimeFigureOut">
               <a:rPr lang="en-US" smtClean="0"/>
-              <a:t>6/1/2022</a:t>
+              <a:t>6/8/2022</a:t>
             </a:fld>
             <a:endParaRPr lang="en-US"/>
           </a:p>
@@ -1994,7 +1996,7 @@
           <p:cNvPr id="8" name="Footer Placeholder 7">
             <a:extLst>
               <a:ext uri="{FF2B5EF4-FFF2-40B4-BE49-F238E27FC236}">
-                <a16:creationId xmlns:a16="http://schemas.microsoft.com/office/drawing/2014/main" id="{52C4AFF6-8869-43C2-9B04-6C8C4BD143D3}"/>
+                <a16:creationId xmlns="" xmlns:a16="http://schemas.microsoft.com/office/drawing/2014/main" id="{52C4AFF6-8869-43C2-9B04-6C8C4BD143D3}"/>
               </a:ext>
             </a:extLst>
           </p:cNvPr>
@@ -2019,7 +2021,7 @@
           <p:cNvPr id="9" name="Slide Number Placeholder 8">
             <a:extLst>
               <a:ext uri="{FF2B5EF4-FFF2-40B4-BE49-F238E27FC236}">
-                <a16:creationId xmlns:a16="http://schemas.microsoft.com/office/drawing/2014/main" id="{1FDC4071-E7F3-46B2-8277-CC9A9C3D68C5}"/>
+                <a16:creationId xmlns="" xmlns:a16="http://schemas.microsoft.com/office/drawing/2014/main" id="{1FDC4071-E7F3-46B2-8277-CC9A9C3D68C5}"/>
               </a:ext>
             </a:extLst>
           </p:cNvPr>
@@ -2078,7 +2080,7 @@
           <p:cNvPr id="2" name="Title 1">
             <a:extLst>
               <a:ext uri="{FF2B5EF4-FFF2-40B4-BE49-F238E27FC236}">
-                <a16:creationId xmlns:a16="http://schemas.microsoft.com/office/drawing/2014/main" id="{987E5B1D-BE10-4D3C-AA8A-E7D389965932}"/>
+                <a16:creationId xmlns="" xmlns:a16="http://schemas.microsoft.com/office/drawing/2014/main" id="{987E5B1D-BE10-4D3C-AA8A-E7D389965932}"/>
               </a:ext>
             </a:extLst>
           </p:cNvPr>
@@ -2106,7 +2108,7 @@
           <p:cNvPr id="3" name="Date Placeholder 2">
             <a:extLst>
               <a:ext uri="{FF2B5EF4-FFF2-40B4-BE49-F238E27FC236}">
-                <a16:creationId xmlns:a16="http://schemas.microsoft.com/office/drawing/2014/main" id="{0FD184B4-C5C4-453D-A131-57F50093C732}"/>
+                <a16:creationId xmlns="" xmlns:a16="http://schemas.microsoft.com/office/drawing/2014/main" id="{0FD184B4-C5C4-453D-A131-57F50093C732}"/>
               </a:ext>
             </a:extLst>
           </p:cNvPr>
@@ -2124,7 +2126,7 @@
           <a:p>
             <a:fld id="{6F562F50-5C96-447F-8F10-2C20C379AB00}" type="datetimeFigureOut">
               <a:rPr lang="en-US" smtClean="0"/>
-              <a:t>6/1/2022</a:t>
+              <a:t>6/8/2022</a:t>
             </a:fld>
             <a:endParaRPr lang="en-US"/>
           </a:p>
@@ -2135,7 +2137,7 @@
           <p:cNvPr id="4" name="Footer Placeholder 3">
             <a:extLst>
               <a:ext uri="{FF2B5EF4-FFF2-40B4-BE49-F238E27FC236}">
-                <a16:creationId xmlns:a16="http://schemas.microsoft.com/office/drawing/2014/main" id="{D3946C44-7E99-4DA3-8630-5A3F04AE08FE}"/>
+                <a16:creationId xmlns="" xmlns:a16="http://schemas.microsoft.com/office/drawing/2014/main" id="{D3946C44-7E99-4DA3-8630-5A3F04AE08FE}"/>
               </a:ext>
             </a:extLst>
           </p:cNvPr>
@@ -2160,7 +2162,7 @@
           <p:cNvPr id="5" name="Slide Number Placeholder 4">
             <a:extLst>
               <a:ext uri="{FF2B5EF4-FFF2-40B4-BE49-F238E27FC236}">
-                <a16:creationId xmlns:a16="http://schemas.microsoft.com/office/drawing/2014/main" id="{344F2AF9-2FF8-4202-B911-55FE02221C26}"/>
+                <a16:creationId xmlns="" xmlns:a16="http://schemas.microsoft.com/office/drawing/2014/main" id="{344F2AF9-2FF8-4202-B911-55FE02221C26}"/>
               </a:ext>
             </a:extLst>
           </p:cNvPr>
@@ -2219,7 +2221,7 @@
           <p:cNvPr id="2" name="Date Placeholder 1">
             <a:extLst>
               <a:ext uri="{FF2B5EF4-FFF2-40B4-BE49-F238E27FC236}">
-                <a16:creationId xmlns:a16="http://schemas.microsoft.com/office/drawing/2014/main" id="{4FC2FCCD-9969-4D21-A8C2-2370B129A8B8}"/>
+                <a16:creationId xmlns="" xmlns:a16="http://schemas.microsoft.com/office/drawing/2014/main" id="{4FC2FCCD-9969-4D21-A8C2-2370B129A8B8}"/>
               </a:ext>
             </a:extLst>
           </p:cNvPr>
@@ -2237,7 +2239,7 @@
           <a:p>
             <a:fld id="{6F562F50-5C96-447F-8F10-2C20C379AB00}" type="datetimeFigureOut">
               <a:rPr lang="en-US" smtClean="0"/>
-              <a:t>6/1/2022</a:t>
+              <a:t>6/8/2022</a:t>
             </a:fld>
             <a:endParaRPr lang="en-US"/>
           </a:p>
@@ -2248,7 +2250,7 @@
           <p:cNvPr id="3" name="Footer Placeholder 2">
             <a:extLst>
               <a:ext uri="{FF2B5EF4-FFF2-40B4-BE49-F238E27FC236}">
-                <a16:creationId xmlns:a16="http://schemas.microsoft.com/office/drawing/2014/main" id="{05E47014-F1BD-47A1-B4BC-DA339D2CCDA8}"/>
+                <a16:creationId xmlns="" xmlns:a16="http://schemas.microsoft.com/office/drawing/2014/main" id="{05E47014-F1BD-47A1-B4BC-DA339D2CCDA8}"/>
               </a:ext>
             </a:extLst>
           </p:cNvPr>
@@ -2273,7 +2275,7 @@
           <p:cNvPr id="4" name="Slide Number Placeholder 3">
             <a:extLst>
               <a:ext uri="{FF2B5EF4-FFF2-40B4-BE49-F238E27FC236}">
-                <a16:creationId xmlns:a16="http://schemas.microsoft.com/office/drawing/2014/main" id="{4AFEEA44-6ECF-49B0-BC3D-D80CC54D6DD5}"/>
+                <a16:creationId xmlns="" xmlns:a16="http://schemas.microsoft.com/office/drawing/2014/main" id="{4AFEEA44-6ECF-49B0-BC3D-D80CC54D6DD5}"/>
               </a:ext>
             </a:extLst>
           </p:cNvPr>
@@ -2332,7 +2334,7 @@
           <p:cNvPr id="2" name="Title 1">
             <a:extLst>
               <a:ext uri="{FF2B5EF4-FFF2-40B4-BE49-F238E27FC236}">
-                <a16:creationId xmlns:a16="http://schemas.microsoft.com/office/drawing/2014/main" id="{079FC293-52A0-4E5B-AE8F-9F4F86D11B54}"/>
+                <a16:creationId xmlns="" xmlns:a16="http://schemas.microsoft.com/office/drawing/2014/main" id="{079FC293-52A0-4E5B-AE8F-9F4F86D11B54}"/>
               </a:ext>
             </a:extLst>
           </p:cNvPr>
@@ -2369,7 +2371,7 @@
           <p:cNvPr id="3" name="Content Placeholder 2">
             <a:extLst>
               <a:ext uri="{FF2B5EF4-FFF2-40B4-BE49-F238E27FC236}">
-                <a16:creationId xmlns:a16="http://schemas.microsoft.com/office/drawing/2014/main" id="{87D7CF92-AE7C-4A14-AE4E-B7934F2642BC}"/>
+                <a16:creationId xmlns="" xmlns:a16="http://schemas.microsoft.com/office/drawing/2014/main" id="{87D7CF92-AE7C-4A14-AE4E-B7934F2642BC}"/>
               </a:ext>
             </a:extLst>
           </p:cNvPr>
@@ -2459,7 +2461,7 @@
           <p:cNvPr id="4" name="Text Placeholder 3">
             <a:extLst>
               <a:ext uri="{FF2B5EF4-FFF2-40B4-BE49-F238E27FC236}">
-                <a16:creationId xmlns:a16="http://schemas.microsoft.com/office/drawing/2014/main" id="{ECD97BD1-E963-4BE5-B4CF-CFB6A44AEB89}"/>
+                <a16:creationId xmlns="" xmlns:a16="http://schemas.microsoft.com/office/drawing/2014/main" id="{ECD97BD1-E963-4BE5-B4CF-CFB6A44AEB89}"/>
               </a:ext>
             </a:extLst>
           </p:cNvPr>
@@ -2530,7 +2532,7 @@
           <p:cNvPr id="5" name="Date Placeholder 4">
             <a:extLst>
               <a:ext uri="{FF2B5EF4-FFF2-40B4-BE49-F238E27FC236}">
-                <a16:creationId xmlns:a16="http://schemas.microsoft.com/office/drawing/2014/main" id="{108FE450-24FF-4C2F-84EF-16B4CD57F1D3}"/>
+                <a16:creationId xmlns="" xmlns:a16="http://schemas.microsoft.com/office/drawing/2014/main" id="{108FE450-24FF-4C2F-84EF-16B4CD57F1D3}"/>
               </a:ext>
             </a:extLst>
           </p:cNvPr>
@@ -2548,7 +2550,7 @@
           <a:p>
             <a:fld id="{6F562F50-5C96-447F-8F10-2C20C379AB00}" type="datetimeFigureOut">
               <a:rPr lang="en-US" smtClean="0"/>
-              <a:t>6/1/2022</a:t>
+              <a:t>6/8/2022</a:t>
             </a:fld>
             <a:endParaRPr lang="en-US"/>
           </a:p>
@@ -2559,7 +2561,7 @@
           <p:cNvPr id="6" name="Footer Placeholder 5">
             <a:extLst>
               <a:ext uri="{FF2B5EF4-FFF2-40B4-BE49-F238E27FC236}">
-                <a16:creationId xmlns:a16="http://schemas.microsoft.com/office/drawing/2014/main" id="{9B76EE0F-A0C2-4622-8A19-13311FA08152}"/>
+                <a16:creationId xmlns="" xmlns:a16="http://schemas.microsoft.com/office/drawing/2014/main" id="{9B76EE0F-A0C2-4622-8A19-13311FA08152}"/>
               </a:ext>
             </a:extLst>
           </p:cNvPr>
@@ -2584,7 +2586,7 @@
           <p:cNvPr id="7" name="Slide Number Placeholder 6">
             <a:extLst>
               <a:ext uri="{FF2B5EF4-FFF2-40B4-BE49-F238E27FC236}">
-                <a16:creationId xmlns:a16="http://schemas.microsoft.com/office/drawing/2014/main" id="{7F11A333-3F53-4325-9847-BC2DBA6F45DF}"/>
+                <a16:creationId xmlns="" xmlns:a16="http://schemas.microsoft.com/office/drawing/2014/main" id="{7F11A333-3F53-4325-9847-BC2DBA6F45DF}"/>
               </a:ext>
             </a:extLst>
           </p:cNvPr>
@@ -2643,7 +2645,7 @@
           <p:cNvPr id="2" name="Title 1">
             <a:extLst>
               <a:ext uri="{FF2B5EF4-FFF2-40B4-BE49-F238E27FC236}">
-                <a16:creationId xmlns:a16="http://schemas.microsoft.com/office/drawing/2014/main" id="{D8939C77-3892-47DD-BED5-3F1920329B13}"/>
+                <a16:creationId xmlns="" xmlns:a16="http://schemas.microsoft.com/office/drawing/2014/main" id="{D8939C77-3892-47DD-BED5-3F1920329B13}"/>
               </a:ext>
             </a:extLst>
           </p:cNvPr>
@@ -2680,7 +2682,7 @@
           <p:cNvPr id="3" name="Picture Placeholder 2">
             <a:extLst>
               <a:ext uri="{FF2B5EF4-FFF2-40B4-BE49-F238E27FC236}">
-                <a16:creationId xmlns:a16="http://schemas.microsoft.com/office/drawing/2014/main" id="{7706FF36-016F-43D1-97C2-9B872AE0024A}"/>
+                <a16:creationId xmlns="" xmlns:a16="http://schemas.microsoft.com/office/drawing/2014/main" id="{7706FF36-016F-43D1-97C2-9B872AE0024A}"/>
               </a:ext>
             </a:extLst>
           </p:cNvPr>
@@ -2747,7 +2749,7 @@
           <p:cNvPr id="4" name="Text Placeholder 3">
             <a:extLst>
               <a:ext uri="{FF2B5EF4-FFF2-40B4-BE49-F238E27FC236}">
-                <a16:creationId xmlns:a16="http://schemas.microsoft.com/office/drawing/2014/main" id="{7F98B47E-26DC-4242-9FDB-B0C5F937FCD3}"/>
+                <a16:creationId xmlns="" xmlns:a16="http://schemas.microsoft.com/office/drawing/2014/main" id="{7F98B47E-26DC-4242-9FDB-B0C5F937FCD3}"/>
               </a:ext>
             </a:extLst>
           </p:cNvPr>
@@ -2818,7 +2820,7 @@
           <p:cNvPr id="5" name="Date Placeholder 4">
             <a:extLst>
               <a:ext uri="{FF2B5EF4-FFF2-40B4-BE49-F238E27FC236}">
-                <a16:creationId xmlns:a16="http://schemas.microsoft.com/office/drawing/2014/main" id="{C4E23D28-835E-47C8-8FAA-9BBBC2514BBC}"/>
+                <a16:creationId xmlns="" xmlns:a16="http://schemas.microsoft.com/office/drawing/2014/main" id="{C4E23D28-835E-47C8-8FAA-9BBBC2514BBC}"/>
               </a:ext>
             </a:extLst>
           </p:cNvPr>
@@ -2836,7 +2838,7 @@
           <a:p>
             <a:fld id="{6F562F50-5C96-447F-8F10-2C20C379AB00}" type="datetimeFigureOut">
               <a:rPr lang="en-US" smtClean="0"/>
-              <a:t>6/1/2022</a:t>
+              <a:t>6/8/2022</a:t>
             </a:fld>
             <a:endParaRPr lang="en-US"/>
           </a:p>
@@ -2847,7 +2849,7 @@
           <p:cNvPr id="6" name="Footer Placeholder 5">
             <a:extLst>
               <a:ext uri="{FF2B5EF4-FFF2-40B4-BE49-F238E27FC236}">
-                <a16:creationId xmlns:a16="http://schemas.microsoft.com/office/drawing/2014/main" id="{08AC59D7-DA4B-4420-97EB-47F21C03B247}"/>
+                <a16:creationId xmlns="" xmlns:a16="http://schemas.microsoft.com/office/drawing/2014/main" id="{08AC59D7-DA4B-4420-97EB-47F21C03B247}"/>
               </a:ext>
             </a:extLst>
           </p:cNvPr>
@@ -2872,7 +2874,7 @@
           <p:cNvPr id="7" name="Slide Number Placeholder 6">
             <a:extLst>
               <a:ext uri="{FF2B5EF4-FFF2-40B4-BE49-F238E27FC236}">
-                <a16:creationId xmlns:a16="http://schemas.microsoft.com/office/drawing/2014/main" id="{F69FD880-490C-47CF-8CB3-B67E13ED855D}"/>
+                <a16:creationId xmlns="" xmlns:a16="http://schemas.microsoft.com/office/drawing/2014/main" id="{F69FD880-490C-47CF-8CB3-B67E13ED855D}"/>
               </a:ext>
             </a:extLst>
           </p:cNvPr>
@@ -2936,7 +2938,7 @@
           <p:cNvPr id="2" name="Title Placeholder 1">
             <a:extLst>
               <a:ext uri="{FF2B5EF4-FFF2-40B4-BE49-F238E27FC236}">
-                <a16:creationId xmlns:a16="http://schemas.microsoft.com/office/drawing/2014/main" id="{C58FDF33-3E77-432B-A864-055DBA22FB08}"/>
+                <a16:creationId xmlns="" xmlns:a16="http://schemas.microsoft.com/office/drawing/2014/main" id="{C58FDF33-3E77-432B-A864-055DBA22FB08}"/>
               </a:ext>
             </a:extLst>
           </p:cNvPr>
@@ -2974,7 +2976,7 @@
           <p:cNvPr id="3" name="Text Placeholder 2">
             <a:extLst>
               <a:ext uri="{FF2B5EF4-FFF2-40B4-BE49-F238E27FC236}">
-                <a16:creationId xmlns:a16="http://schemas.microsoft.com/office/drawing/2014/main" id="{D6AC9417-956D-4EFA-B02B-9868F00F0329}"/>
+                <a16:creationId xmlns="" xmlns:a16="http://schemas.microsoft.com/office/drawing/2014/main" id="{D6AC9417-956D-4EFA-B02B-9868F00F0329}"/>
               </a:ext>
             </a:extLst>
           </p:cNvPr>
@@ -3041,7 +3043,7 @@
           <p:cNvPr id="4" name="Date Placeholder 3">
             <a:extLst>
               <a:ext uri="{FF2B5EF4-FFF2-40B4-BE49-F238E27FC236}">
-                <a16:creationId xmlns:a16="http://schemas.microsoft.com/office/drawing/2014/main" id="{D6A58DB3-57A2-474B-B486-D760DA1BCC19}"/>
+                <a16:creationId xmlns="" xmlns:a16="http://schemas.microsoft.com/office/drawing/2014/main" id="{D6A58DB3-57A2-474B-B486-D760DA1BCC19}"/>
               </a:ext>
             </a:extLst>
           </p:cNvPr>
@@ -3077,7 +3079,7 @@
           <a:p>
             <a:fld id="{6F562F50-5C96-447F-8F10-2C20C379AB00}" type="datetimeFigureOut">
               <a:rPr lang="en-US" smtClean="0"/>
-              <a:t>6/1/2022</a:t>
+              <a:t>6/8/2022</a:t>
             </a:fld>
             <a:endParaRPr lang="en-US"/>
           </a:p>
@@ -3088,7 +3090,7 @@
           <p:cNvPr id="5" name="Footer Placeholder 4">
             <a:extLst>
               <a:ext uri="{FF2B5EF4-FFF2-40B4-BE49-F238E27FC236}">
-                <a16:creationId xmlns:a16="http://schemas.microsoft.com/office/drawing/2014/main" id="{FF47255B-7639-41BB-A372-0A41482D594E}"/>
+                <a16:creationId xmlns="" xmlns:a16="http://schemas.microsoft.com/office/drawing/2014/main" id="{FF47255B-7639-41BB-A372-0A41482D594E}"/>
               </a:ext>
             </a:extLst>
           </p:cNvPr>
@@ -3131,7 +3133,7 @@
           <p:cNvPr id="6" name="Slide Number Placeholder 5">
             <a:extLst>
               <a:ext uri="{FF2B5EF4-FFF2-40B4-BE49-F238E27FC236}">
-                <a16:creationId xmlns:a16="http://schemas.microsoft.com/office/drawing/2014/main" id="{E91D9BB6-4626-49EB-A14E-CBDA41375141}"/>
+                <a16:creationId xmlns="" xmlns:a16="http://schemas.microsoft.com/office/drawing/2014/main" id="{E91D9BB6-4626-49EB-A14E-CBDA41375141}"/>
               </a:ext>
             </a:extLst>
           </p:cNvPr>
@@ -3499,7 +3501,7 @@
           <p:cNvPr id="2" name="Title 1">
             <a:extLst>
               <a:ext uri="{FF2B5EF4-FFF2-40B4-BE49-F238E27FC236}">
-                <a16:creationId xmlns:a16="http://schemas.microsoft.com/office/drawing/2014/main" id="{851CD867-4505-427E-8DE9-FDA73375D23C}"/>
+                <a16:creationId xmlns="" xmlns:a16="http://schemas.microsoft.com/office/drawing/2014/main" id="{851CD867-4505-427E-8DE9-FDA73375D23C}"/>
               </a:ext>
             </a:extLst>
           </p:cNvPr>
@@ -3544,7 +3546,7 @@
           <p:cNvPr id="5" name="TextBox 4">
             <a:extLst>
               <a:ext uri="{FF2B5EF4-FFF2-40B4-BE49-F238E27FC236}">
-                <a16:creationId xmlns:a16="http://schemas.microsoft.com/office/drawing/2014/main" id="{1C24BE09-E956-43D5-8DA3-0F353C784A40}"/>
+                <a16:creationId xmlns="" xmlns:a16="http://schemas.microsoft.com/office/drawing/2014/main" id="{1C24BE09-E956-43D5-8DA3-0F353C784A40}"/>
               </a:ext>
             </a:extLst>
           </p:cNvPr>
@@ -3554,7 +3556,7 @@
         <p:spPr>
           <a:xfrm>
             <a:off x="94696" y="506027"/>
-            <a:ext cx="6094520" cy="373692"/>
+            <a:ext cx="6094520" cy="388696"/>
           </a:xfrm>
           <a:prstGeom prst="rect">
             <a:avLst/>
@@ -3588,7 +3590,31 @@
                 <a:ea typeface="Times New Roman" panose="02020603050405020304" pitchFamily="18" charset="0"/>
                 <a:cs typeface="Times New Roman" panose="02020603050405020304" pitchFamily="18" charset="0"/>
               </a:rPr>
-              <a:t>RF Soc - RF Data converter ADC/DAC configurations:</a:t>
+              <a:t>RF Soc - RF Data converter </a:t>
+            </a:r>
+            <a:r>
+              <a:rPr lang="en-US" sz="1800" b="1" dirty="0" smtClean="0">
+                <a:solidFill>
+                  <a:srgbClr val="24292F"/>
+                </a:solidFill>
+                <a:effectLst/>
+                <a:latin typeface="Segoe UI" panose="020B0502040204020203" pitchFamily="34" charset="0"/>
+                <a:ea typeface="Times New Roman" panose="02020603050405020304" pitchFamily="18" charset="0"/>
+                <a:cs typeface="Times New Roman" panose="02020603050405020304" pitchFamily="18" charset="0"/>
+              </a:rPr>
+              <a:t>ADC Configurations</a:t>
+            </a:r>
+            <a:r>
+              <a:rPr lang="en-US" sz="1800" b="1" dirty="0">
+                <a:solidFill>
+                  <a:srgbClr val="24292F"/>
+                </a:solidFill>
+                <a:effectLst/>
+                <a:latin typeface="Segoe UI" panose="020B0502040204020203" pitchFamily="34" charset="0"/>
+                <a:ea typeface="Times New Roman" panose="02020603050405020304" pitchFamily="18" charset="0"/>
+                <a:cs typeface="Times New Roman" panose="02020603050405020304" pitchFamily="18" charset="0"/>
+              </a:rPr>
+              <a:t>:</a:t>
             </a:r>
             <a:endParaRPr lang="en-US" sz="1600" dirty="0">
               <a:effectLst/>
@@ -3601,36 +3627,27 @@
       </p:sp>
       <p:pic>
         <p:nvPicPr>
-          <p:cNvPr id="6" name="Picture 5" descr="image">
-            <a:hlinkClick r:id="rId2" tgtFrame="&quot;_blank&quot;"/>
-            <a:extLst>
-              <a:ext uri="{FF2B5EF4-FFF2-40B4-BE49-F238E27FC236}">
-                <a16:creationId xmlns:a16="http://schemas.microsoft.com/office/drawing/2014/main" id="{19CF0B9B-81E0-4263-8156-6E75BB2BBDF4}"/>
-              </a:ext>
-            </a:extLst>
-          </p:cNvPr>
+          <p:cNvPr id="1026" name="Picture 2"/>
           <p:cNvPicPr>
-            <a:picLocks noChangeAspect="1"/>
+            <a:picLocks noChangeAspect="1" noChangeArrowheads="1"/>
           </p:cNvPicPr>
           <p:nvPr/>
         </p:nvPicPr>
-        <p:blipFill>
-          <a:blip r:embed="rId3" cstate="print">
+        <p:blipFill rotWithShape="1">
+          <a:blip r:embed="rId2">
             <a:extLst>
               <a:ext uri="{28A0092B-C50C-407E-A947-70E740481C1C}">
                 <a14:useLocalDpi xmlns:a14="http://schemas.microsoft.com/office/drawing/2010/main" val="0"/>
               </a:ext>
             </a:extLst>
           </a:blip>
-          <a:srcRect/>
-          <a:stretch>
-            <a:fillRect/>
-          </a:stretch>
+          <a:srcRect t="2065" b="4547"/>
+          <a:stretch/>
         </p:blipFill>
         <p:spPr bwMode="auto">
           <a:xfrm>
-            <a:off x="2183907" y="879718"/>
-            <a:ext cx="8711431" cy="5903483"/>
+            <a:off x="1950013" y="879719"/>
+            <a:ext cx="8287905" cy="5476875"/>
           </a:xfrm>
           <a:prstGeom prst="rect">
             <a:avLst/>
@@ -3639,6 +3656,35 @@
           <a:ln>
             <a:noFill/>
           </a:ln>
+          <a:effectLst/>
+          <a:extLst>
+            <a:ext uri="{909E8E84-426E-40DD-AFC4-6F175D3DCCD1}">
+              <a14:hiddenFill xmlns:a14="http://schemas.microsoft.com/office/drawing/2010/main">
+                <a:solidFill>
+                  <a:schemeClr val="accent1"/>
+                </a:solidFill>
+              </a14:hiddenFill>
+            </a:ext>
+            <a:ext uri="{91240B29-F687-4F45-9708-019B960494DF}">
+              <a14:hiddenLine xmlns:a14="http://schemas.microsoft.com/office/drawing/2010/main" w="9525">
+                <a:solidFill>
+                  <a:schemeClr val="tx1"/>
+                </a:solidFill>
+                <a:miter lim="800000"/>
+                <a:headEnd/>
+                <a:tailEnd/>
+              </a14:hiddenLine>
+            </a:ext>
+            <a:ext uri="{AF507438-7753-43E0-B8FC-AC1667EBCBE1}">
+              <a14:hiddenEffects xmlns:a14="http://schemas.microsoft.com/office/drawing/2010/main">
+                <a:effectLst>
+                  <a:outerShdw dist="35921" dir="2700000" algn="ctr" rotWithShape="0">
+                    <a:schemeClr val="bg2"/>
+                  </a:outerShdw>
+                </a:effectLst>
+              </a14:hiddenEffects>
+            </a:ext>
+          </a:extLst>
         </p:spPr>
       </p:pic>
     </p:spTree>
@@ -3676,7 +3722,7 @@
           <p:cNvPr id="2" name="Title 1">
             <a:extLst>
               <a:ext uri="{FF2B5EF4-FFF2-40B4-BE49-F238E27FC236}">
-                <a16:creationId xmlns:a16="http://schemas.microsoft.com/office/drawing/2014/main" id="{851CD867-4505-427E-8DE9-FDA73375D23C}"/>
+                <a16:creationId xmlns="" xmlns:a16="http://schemas.microsoft.com/office/drawing/2014/main" id="{851CD867-4505-427E-8DE9-FDA73375D23C}"/>
               </a:ext>
             </a:extLst>
           </p:cNvPr>
@@ -3721,7 +3767,7 @@
           <p:cNvPr id="5" name="TextBox 4">
             <a:extLst>
               <a:ext uri="{FF2B5EF4-FFF2-40B4-BE49-F238E27FC236}">
-                <a16:creationId xmlns:a16="http://schemas.microsoft.com/office/drawing/2014/main" id="{1C24BE09-E956-43D5-8DA3-0F353C784A40}"/>
+                <a16:creationId xmlns="" xmlns:a16="http://schemas.microsoft.com/office/drawing/2014/main" id="{1C24BE09-E956-43D5-8DA3-0F353C784A40}"/>
               </a:ext>
             </a:extLst>
           </p:cNvPr>
@@ -3731,7 +3777,7 @@
         <p:spPr>
           <a:xfrm>
             <a:off x="94696" y="506027"/>
-            <a:ext cx="6094520" cy="373692"/>
+            <a:ext cx="6094520" cy="388696"/>
           </a:xfrm>
           <a:prstGeom prst="rect">
             <a:avLst/>
@@ -3765,7 +3811,31 @@
                 <a:ea typeface="Times New Roman" panose="02020603050405020304" pitchFamily="18" charset="0"/>
                 <a:cs typeface="Times New Roman" panose="02020603050405020304" pitchFamily="18" charset="0"/>
               </a:rPr>
-              <a:t>RF Soc - RF Data converter ADC/DAC configurations:</a:t>
+              <a:t>RF Soc - RF Data converter </a:t>
+            </a:r>
+            <a:r>
+              <a:rPr lang="en-US" sz="1800" b="1" dirty="0" smtClean="0">
+                <a:solidFill>
+                  <a:srgbClr val="24292F"/>
+                </a:solidFill>
+                <a:effectLst/>
+                <a:latin typeface="Segoe UI" panose="020B0502040204020203" pitchFamily="34" charset="0"/>
+                <a:ea typeface="Times New Roman" panose="02020603050405020304" pitchFamily="18" charset="0"/>
+                <a:cs typeface="Times New Roman" panose="02020603050405020304" pitchFamily="18" charset="0"/>
+              </a:rPr>
+              <a:t>DAC </a:t>
+            </a:r>
+            <a:r>
+              <a:rPr lang="en-US" sz="1800" b="1" dirty="0">
+                <a:solidFill>
+                  <a:srgbClr val="24292F"/>
+                </a:solidFill>
+                <a:effectLst/>
+                <a:latin typeface="Segoe UI" panose="020B0502040204020203" pitchFamily="34" charset="0"/>
+                <a:ea typeface="Times New Roman" panose="02020603050405020304" pitchFamily="18" charset="0"/>
+                <a:cs typeface="Times New Roman" panose="02020603050405020304" pitchFamily="18" charset="0"/>
+              </a:rPr>
+              <a:t>configurations:</a:t>
             </a:r>
             <a:endParaRPr lang="en-US" sz="1600" dirty="0">
               <a:effectLst/>
@@ -3778,36 +3848,27 @@
       </p:sp>
       <p:pic>
         <p:nvPicPr>
-          <p:cNvPr id="7" name="Picture 6" descr="image">
-            <a:hlinkClick r:id="rId2" tgtFrame="&quot;_blank&quot;"/>
-            <a:extLst>
-              <a:ext uri="{FF2B5EF4-FFF2-40B4-BE49-F238E27FC236}">
-                <a16:creationId xmlns:a16="http://schemas.microsoft.com/office/drawing/2014/main" id="{2BB95099-C866-4A4B-8261-95A32BD66E42}"/>
-              </a:ext>
-            </a:extLst>
-          </p:cNvPr>
+          <p:cNvPr id="2050" name="Picture 2"/>
           <p:cNvPicPr>
-            <a:picLocks noChangeAspect="1"/>
+            <a:picLocks noChangeAspect="1" noChangeArrowheads="1"/>
           </p:cNvPicPr>
           <p:nvPr/>
         </p:nvPicPr>
-        <p:blipFill>
-          <a:blip r:embed="rId3">
+        <p:blipFill rotWithShape="1">
+          <a:blip r:embed="rId2">
             <a:extLst>
               <a:ext uri="{28A0092B-C50C-407E-A947-70E740481C1C}">
                 <a14:useLocalDpi xmlns:a14="http://schemas.microsoft.com/office/drawing/2010/main" val="0"/>
               </a:ext>
             </a:extLst>
           </a:blip>
-          <a:srcRect/>
-          <a:stretch>
-            <a:fillRect/>
-          </a:stretch>
+          <a:srcRect b="4932"/>
+          <a:stretch/>
         </p:blipFill>
         <p:spPr bwMode="auto">
           <a:xfrm>
-            <a:off x="3141956" y="810996"/>
-            <a:ext cx="7662761" cy="5972206"/>
+            <a:off x="1625270" y="879719"/>
+            <a:ext cx="8914141" cy="5911606"/>
           </a:xfrm>
           <a:prstGeom prst="rect">
             <a:avLst/>
@@ -3816,8 +3877,83 @@
           <a:ln>
             <a:noFill/>
           </a:ln>
+          <a:effectLst/>
+          <a:extLst>
+            <a:ext uri="{909E8E84-426E-40DD-AFC4-6F175D3DCCD1}">
+              <a14:hiddenFill xmlns:a14="http://schemas.microsoft.com/office/drawing/2010/main">
+                <a:solidFill>
+                  <a:schemeClr val="accent1"/>
+                </a:solidFill>
+              </a14:hiddenFill>
+            </a:ext>
+            <a:ext uri="{91240B29-F687-4F45-9708-019B960494DF}">
+              <a14:hiddenLine xmlns:a14="http://schemas.microsoft.com/office/drawing/2010/main" w="9525">
+                <a:solidFill>
+                  <a:schemeClr val="tx1"/>
+                </a:solidFill>
+                <a:miter lim="800000"/>
+                <a:headEnd/>
+                <a:tailEnd/>
+              </a14:hiddenLine>
+            </a:ext>
+            <a:ext uri="{AF507438-7753-43E0-B8FC-AC1667EBCBE1}">
+              <a14:hiddenEffects xmlns:a14="http://schemas.microsoft.com/office/drawing/2010/main">
+                <a:effectLst>
+                  <a:outerShdw dist="35921" dir="2700000" algn="ctr" rotWithShape="0">
+                    <a:schemeClr val="bg2"/>
+                  </a:outerShdw>
+                </a:effectLst>
+              </a14:hiddenEffects>
+            </a:ext>
+          </a:extLst>
         </p:spPr>
       </p:pic>
+      <p:sp>
+        <p:nvSpPr>
+          <p:cNvPr id="3" name="Rectangle 2"/>
+          <p:cNvSpPr/>
+          <p:nvPr/>
+        </p:nvSpPr>
+        <p:spPr>
+          <a:xfrm>
+            <a:off x="6096000" y="4892633"/>
+            <a:ext cx="1935678" cy="175824"/>
+          </a:xfrm>
+          <a:prstGeom prst="rect">
+            <a:avLst/>
+          </a:prstGeom>
+          <a:noFill/>
+          <a:ln w="12700">
+            <a:solidFill>
+              <a:srgbClr val="0070C0"/>
+            </a:solidFill>
+          </a:ln>
+        </p:spPr>
+        <p:style>
+          <a:lnRef idx="2">
+            <a:schemeClr val="accent1">
+              <a:shade val="50000"/>
+            </a:schemeClr>
+          </a:lnRef>
+          <a:fillRef idx="1">
+            <a:schemeClr val="accent1"/>
+          </a:fillRef>
+          <a:effectRef idx="0">
+            <a:schemeClr val="accent1"/>
+          </a:effectRef>
+          <a:fontRef idx="minor">
+            <a:schemeClr val="lt1"/>
+          </a:fontRef>
+        </p:style>
+        <p:txBody>
+          <a:bodyPr rtlCol="0" anchor="ctr"/>
+          <a:lstStyle/>
+          <a:p>
+            <a:pPr algn="ctr"/>
+            <a:endParaRPr lang="en-US"/>
+          </a:p>
+        </p:txBody>
+      </p:sp>
     </p:spTree>
     <p:extLst>
       <p:ext uri="{BB962C8B-B14F-4D97-AF65-F5344CB8AC3E}">
@@ -3853,7 +3989,7 @@
           <p:cNvPr id="2" name="Title 1">
             <a:extLst>
               <a:ext uri="{FF2B5EF4-FFF2-40B4-BE49-F238E27FC236}">
-                <a16:creationId xmlns:a16="http://schemas.microsoft.com/office/drawing/2014/main" id="{851CD867-4505-427E-8DE9-FDA73375D23C}"/>
+                <a16:creationId xmlns="" xmlns:a16="http://schemas.microsoft.com/office/drawing/2014/main" id="{851CD867-4505-427E-8DE9-FDA73375D23C}"/>
               </a:ext>
             </a:extLst>
           </p:cNvPr>
@@ -3895,10 +4031,10 @@
       </p:sp>
       <p:sp>
         <p:nvSpPr>
-          <p:cNvPr id="6" name="TextBox 5">
-            <a:extLst>
-              <a:ext uri="{FF2B5EF4-FFF2-40B4-BE49-F238E27FC236}">
-                <a16:creationId xmlns:a16="http://schemas.microsoft.com/office/drawing/2014/main" id="{8B318BF5-C493-4F2D-833B-2B3A963A7D8F}"/>
+          <p:cNvPr id="5" name="TextBox 4">
+            <a:extLst>
+              <a:ext uri="{FF2B5EF4-FFF2-40B4-BE49-F238E27FC236}">
+                <a16:creationId xmlns="" xmlns:a16="http://schemas.microsoft.com/office/drawing/2014/main" id="{1C24BE09-E956-43D5-8DA3-0F353C784A40}"/>
               </a:ext>
             </a:extLst>
           </p:cNvPr>
@@ -3907,8 +4043,8 @@
         </p:nvSpPr>
         <p:spPr>
           <a:xfrm>
-            <a:off x="94696" y="446375"/>
-            <a:ext cx="8147482" cy="373692"/>
+            <a:off x="94695" y="506027"/>
+            <a:ext cx="9916203" cy="388696"/>
           </a:xfrm>
           <a:prstGeom prst="rect">
             <a:avLst/>
@@ -3933,7 +4069,7 @@
               </a:spcAft>
             </a:pPr>
             <a:r>
-              <a:rPr lang="en-US" sz="1800" dirty="0">
+              <a:rPr lang="en-US" sz="1800" b="1" dirty="0">
                 <a:solidFill>
                   <a:srgbClr val="24292F"/>
                 </a:solidFill>
@@ -3942,7 +4078,43 @@
                 <a:ea typeface="Times New Roman" panose="02020603050405020304" pitchFamily="18" charset="0"/>
                 <a:cs typeface="Times New Roman" panose="02020603050405020304" pitchFamily="18" charset="0"/>
               </a:rPr>
-              <a:t>Figure showing the Vivado block diagram for Matlab Simulink implementation:</a:t>
+              <a:t>RF </a:t>
+            </a:r>
+            <a:r>
+              <a:rPr lang="en-US" sz="1800" b="1" dirty="0" err="1">
+                <a:solidFill>
+                  <a:srgbClr val="24292F"/>
+                </a:solidFill>
+                <a:effectLst/>
+                <a:latin typeface="Segoe UI" panose="020B0502040204020203" pitchFamily="34" charset="0"/>
+                <a:ea typeface="Times New Roman" panose="02020603050405020304" pitchFamily="18" charset="0"/>
+                <a:cs typeface="Times New Roman" panose="02020603050405020304" pitchFamily="18" charset="0"/>
+              </a:rPr>
+              <a:t>Soc</a:t>
+            </a:r>
+            <a:r>
+              <a:rPr lang="en-US" sz="1800" b="1" dirty="0">
+                <a:solidFill>
+                  <a:srgbClr val="24292F"/>
+                </a:solidFill>
+                <a:effectLst/>
+                <a:latin typeface="Segoe UI" panose="020B0502040204020203" pitchFamily="34" charset="0"/>
+                <a:ea typeface="Times New Roman" panose="02020603050405020304" pitchFamily="18" charset="0"/>
+                <a:cs typeface="Times New Roman" panose="02020603050405020304" pitchFamily="18" charset="0"/>
+              </a:rPr>
+              <a:t> </a:t>
+            </a:r>
+            <a:r>
+              <a:rPr lang="en-US" sz="1800" b="1" dirty="0" smtClean="0">
+                <a:solidFill>
+                  <a:srgbClr val="24292F"/>
+                </a:solidFill>
+                <a:effectLst/>
+                <a:latin typeface="Segoe UI" panose="020B0502040204020203" pitchFamily="34" charset="0"/>
+                <a:ea typeface="Times New Roman" panose="02020603050405020304" pitchFamily="18" charset="0"/>
+                <a:cs typeface="Times New Roman" panose="02020603050405020304" pitchFamily="18" charset="0"/>
+              </a:rPr>
+              <a:t>- RF Data converter ADC/DAC Clock Configurations:</a:t>
             </a:r>
             <a:endParaRPr lang="en-US" sz="1600" dirty="0">
               <a:effectLst/>
@@ -3955,36 +4127,27 @@
       </p:sp>
       <p:pic>
         <p:nvPicPr>
-          <p:cNvPr id="8" name="Picture 7" descr="image">
-            <a:hlinkClick r:id="rId2" tgtFrame="&quot;_blank&quot;"/>
-            <a:extLst>
-              <a:ext uri="{FF2B5EF4-FFF2-40B4-BE49-F238E27FC236}">
-                <a16:creationId xmlns:a16="http://schemas.microsoft.com/office/drawing/2014/main" id="{CACF68F0-C741-4F60-923B-17F686E02EBB}"/>
-              </a:ext>
-            </a:extLst>
-          </p:cNvPr>
+          <p:cNvPr id="2051" name="Picture 3"/>
           <p:cNvPicPr>
-            <a:picLocks noChangeAspect="1"/>
+            <a:picLocks noChangeAspect="1" noChangeArrowheads="1"/>
           </p:cNvPicPr>
           <p:nvPr/>
         </p:nvPicPr>
-        <p:blipFill>
-          <a:blip r:embed="rId3" cstate="print">
+        <p:blipFill rotWithShape="1">
+          <a:blip r:embed="rId2">
             <a:extLst>
               <a:ext uri="{28A0092B-C50C-407E-A947-70E740481C1C}">
                 <a14:useLocalDpi xmlns:a14="http://schemas.microsoft.com/office/drawing/2010/main" val="0"/>
               </a:ext>
             </a:extLst>
           </a:blip>
-          <a:srcRect/>
-          <a:stretch>
-            <a:fillRect/>
-          </a:stretch>
+          <a:srcRect b="4262"/>
+          <a:stretch/>
         </p:blipFill>
         <p:spPr bwMode="auto">
           <a:xfrm>
-            <a:off x="94696" y="877603"/>
-            <a:ext cx="12074824" cy="5327887"/>
+            <a:off x="305447" y="879719"/>
+            <a:ext cx="11581105" cy="5646431"/>
           </a:xfrm>
           <a:prstGeom prst="rect">
             <a:avLst/>
@@ -3993,12 +4156,41 @@
           <a:ln>
             <a:noFill/>
           </a:ln>
+          <a:effectLst/>
+          <a:extLst>
+            <a:ext uri="{909E8E84-426E-40DD-AFC4-6F175D3DCCD1}">
+              <a14:hiddenFill xmlns:a14="http://schemas.microsoft.com/office/drawing/2010/main">
+                <a:solidFill>
+                  <a:schemeClr val="accent1"/>
+                </a:solidFill>
+              </a14:hiddenFill>
+            </a:ext>
+            <a:ext uri="{91240B29-F687-4F45-9708-019B960494DF}">
+              <a14:hiddenLine xmlns:a14="http://schemas.microsoft.com/office/drawing/2010/main" w="9525">
+                <a:solidFill>
+                  <a:schemeClr val="tx1"/>
+                </a:solidFill>
+                <a:miter lim="800000"/>
+                <a:headEnd/>
+                <a:tailEnd/>
+              </a14:hiddenLine>
+            </a:ext>
+            <a:ext uri="{AF507438-7753-43E0-B8FC-AC1667EBCBE1}">
+              <a14:hiddenEffects xmlns:a14="http://schemas.microsoft.com/office/drawing/2010/main">
+                <a:effectLst>
+                  <a:outerShdw dist="35921" dir="2700000" algn="ctr" rotWithShape="0">
+                    <a:schemeClr val="bg2"/>
+                  </a:outerShdw>
+                </a:effectLst>
+              </a14:hiddenEffects>
+            </a:ext>
+          </a:extLst>
         </p:spPr>
       </p:pic>
     </p:spTree>
     <p:extLst>
       <p:ext uri="{BB962C8B-B14F-4D97-AF65-F5344CB8AC3E}">
-        <p14:creationId xmlns:p14="http://schemas.microsoft.com/office/powerpoint/2010/main" val="3764587867"/>
+        <p14:creationId xmlns:p14="http://schemas.microsoft.com/office/powerpoint/2010/main" val="977770539"/>
       </p:ext>
     </p:extLst>
   </p:cSld>
@@ -4030,7 +4222,7 @@
           <p:cNvPr id="2" name="Title 1">
             <a:extLst>
               <a:ext uri="{FF2B5EF4-FFF2-40B4-BE49-F238E27FC236}">
-                <a16:creationId xmlns:a16="http://schemas.microsoft.com/office/drawing/2014/main" id="{851CD867-4505-427E-8DE9-FDA73375D23C}"/>
+                <a16:creationId xmlns="" xmlns:a16="http://schemas.microsoft.com/office/drawing/2014/main" id="{851CD867-4505-427E-8DE9-FDA73375D23C}"/>
               </a:ext>
             </a:extLst>
           </p:cNvPr>
@@ -4075,7 +4267,281 @@
           <p:cNvPr id="6" name="TextBox 5">
             <a:extLst>
               <a:ext uri="{FF2B5EF4-FFF2-40B4-BE49-F238E27FC236}">
-                <a16:creationId xmlns:a16="http://schemas.microsoft.com/office/drawing/2014/main" id="{684700B0-5788-46E9-BF03-6C5C206A9276}"/>
+                <a16:creationId xmlns="" xmlns:a16="http://schemas.microsoft.com/office/drawing/2014/main" id="{8B318BF5-C493-4F2D-833B-2B3A963A7D8F}"/>
+              </a:ext>
+            </a:extLst>
+          </p:cNvPr>
+          <p:cNvSpPr txBox="1"/>
+          <p:nvPr/>
+        </p:nvSpPr>
+        <p:spPr>
+          <a:xfrm>
+            <a:off x="94696" y="446375"/>
+            <a:ext cx="11925854" cy="373692"/>
+          </a:xfrm>
+          <a:prstGeom prst="rect">
+            <a:avLst/>
+          </a:prstGeom>
+          <a:noFill/>
+        </p:spPr>
+        <p:txBody>
+          <a:bodyPr wrap="square">
+            <a:spAutoFit/>
+          </a:bodyPr>
+          <a:lstStyle/>
+          <a:p>
+            <a:pPr>
+              <a:lnSpc>
+                <a:spcPct val="107000"/>
+              </a:lnSpc>
+              <a:spcAft>
+                <a:spcPts val="1200"/>
+              </a:spcAft>
+            </a:pPr>
+            <a:r>
+              <a:rPr lang="en-US" dirty="0" err="1">
+                <a:solidFill>
+                  <a:srgbClr val="24292F"/>
+                </a:solidFill>
+                <a:latin typeface="Segoe UI" panose="020B0502040204020203" pitchFamily="34" charset="0"/>
+                <a:ea typeface="Times New Roman" panose="02020603050405020304" pitchFamily="18" charset="0"/>
+                <a:cs typeface="Times New Roman" panose="02020603050405020304" pitchFamily="18" charset="0"/>
+              </a:rPr>
+              <a:t>Vivado</a:t>
+            </a:r>
+            <a:r>
+              <a:rPr lang="en-US" dirty="0">
+                <a:solidFill>
+                  <a:srgbClr val="24292F"/>
+                </a:solidFill>
+                <a:latin typeface="Segoe UI" panose="020B0502040204020203" pitchFamily="34" charset="0"/>
+                <a:ea typeface="Times New Roman" panose="02020603050405020304" pitchFamily="18" charset="0"/>
+                <a:cs typeface="Times New Roman" panose="02020603050405020304" pitchFamily="18" charset="0"/>
+              </a:rPr>
+              <a:t> Block Diagram for </a:t>
+            </a:r>
+            <a:r>
+              <a:rPr lang="en-US" dirty="0" err="1">
+                <a:solidFill>
+                  <a:srgbClr val="24292F"/>
+                </a:solidFill>
+                <a:latin typeface="Segoe UI" panose="020B0502040204020203" pitchFamily="34" charset="0"/>
+                <a:ea typeface="Times New Roman" panose="02020603050405020304" pitchFamily="18" charset="0"/>
+                <a:cs typeface="Times New Roman" panose="02020603050405020304" pitchFamily="18" charset="0"/>
+              </a:rPr>
+              <a:t>Vitis</a:t>
+            </a:r>
+            <a:r>
+              <a:rPr lang="en-US" dirty="0">
+                <a:solidFill>
+                  <a:srgbClr val="24292F"/>
+                </a:solidFill>
+                <a:latin typeface="Segoe UI" panose="020B0502040204020203" pitchFamily="34" charset="0"/>
+                <a:ea typeface="Times New Roman" panose="02020603050405020304" pitchFamily="18" charset="0"/>
+                <a:cs typeface="Times New Roman" panose="02020603050405020304" pitchFamily="18" charset="0"/>
+              </a:rPr>
+              <a:t> </a:t>
+            </a:r>
+            <a:r>
+              <a:rPr lang="en-US" dirty="0" smtClean="0">
+                <a:solidFill>
+                  <a:srgbClr val="24292F"/>
+                </a:solidFill>
+                <a:latin typeface="Segoe UI" panose="020B0502040204020203" pitchFamily="34" charset="0"/>
+                <a:ea typeface="Times New Roman" panose="02020603050405020304" pitchFamily="18" charset="0"/>
+                <a:cs typeface="Times New Roman" panose="02020603050405020304" pitchFamily="18" charset="0"/>
+              </a:rPr>
+              <a:t>Receiver: </a:t>
+            </a:r>
+            <a:r>
+              <a:rPr lang="en-US" sz="1800" b="1" dirty="0" smtClean="0">
+                <a:solidFill>
+                  <a:srgbClr val="24292F"/>
+                </a:solidFill>
+                <a:effectLst/>
+                <a:latin typeface="Segoe UI" panose="020B0502040204020203" pitchFamily="34" charset="0"/>
+                <a:ea typeface="Times New Roman" panose="02020603050405020304" pitchFamily="18" charset="0"/>
+                <a:cs typeface="Times New Roman" panose="02020603050405020304" pitchFamily="18" charset="0"/>
+              </a:rPr>
+              <a:t>Reference Simulink </a:t>
+            </a:r>
+            <a:r>
+              <a:rPr lang="en-US" b="1" dirty="0" smtClean="0">
+                <a:solidFill>
+                  <a:srgbClr val="24292F"/>
+                </a:solidFill>
+                <a:latin typeface="Segoe UI" panose="020B0502040204020203" pitchFamily="34" charset="0"/>
+                <a:ea typeface="Times New Roman" panose="02020603050405020304" pitchFamily="18" charset="0"/>
+                <a:cs typeface="Times New Roman" panose="02020603050405020304" pitchFamily="18" charset="0"/>
+              </a:rPr>
+              <a:t>I</a:t>
+            </a:r>
+            <a:r>
+              <a:rPr lang="en-US" sz="1800" b="1" dirty="0" smtClean="0">
+                <a:solidFill>
+                  <a:srgbClr val="24292F"/>
+                </a:solidFill>
+                <a:effectLst/>
+                <a:latin typeface="Segoe UI" panose="020B0502040204020203" pitchFamily="34" charset="0"/>
+                <a:ea typeface="Times New Roman" panose="02020603050405020304" pitchFamily="18" charset="0"/>
+                <a:cs typeface="Times New Roman" panose="02020603050405020304" pitchFamily="18" charset="0"/>
+              </a:rPr>
+              <a:t>mplementation</a:t>
+            </a:r>
+            <a:endParaRPr lang="en-US" sz="1600" dirty="0">
+              <a:effectLst/>
+              <a:latin typeface="Calibri" panose="020F0502020204030204" pitchFamily="34" charset="0"/>
+              <a:ea typeface="Calibri" panose="020F0502020204030204" pitchFamily="34" charset="0"/>
+              <a:cs typeface="Times New Roman" panose="02020603050405020304" pitchFamily="18" charset="0"/>
+            </a:endParaRPr>
+          </a:p>
+        </p:txBody>
+      </p:sp>
+      <p:pic>
+        <p:nvPicPr>
+          <p:cNvPr id="4098" name="Picture 2"/>
+          <p:cNvPicPr>
+            <a:picLocks noChangeAspect="1" noChangeArrowheads="1"/>
+          </p:cNvPicPr>
+          <p:nvPr/>
+        </p:nvPicPr>
+        <p:blipFill>
+          <a:blip r:embed="rId2">
+            <a:extLst>
+              <a:ext uri="{28A0092B-C50C-407E-A947-70E740481C1C}">
+                <a14:useLocalDpi xmlns:a14="http://schemas.microsoft.com/office/drawing/2010/main" val="0"/>
+              </a:ext>
+            </a:extLst>
+          </a:blip>
+          <a:srcRect/>
+          <a:stretch>
+            <a:fillRect/>
+          </a:stretch>
+        </p:blipFill>
+        <p:spPr bwMode="auto">
+          <a:xfrm>
+            <a:off x="1" y="1394503"/>
+            <a:ext cx="12192000" cy="4234047"/>
+          </a:xfrm>
+          <a:prstGeom prst="rect">
+            <a:avLst/>
+          </a:prstGeom>
+          <a:noFill/>
+          <a:ln>
+            <a:noFill/>
+          </a:ln>
+          <a:effectLst/>
+          <a:extLst>
+            <a:ext uri="{909E8E84-426E-40DD-AFC4-6F175D3DCCD1}">
+              <a14:hiddenFill xmlns:a14="http://schemas.microsoft.com/office/drawing/2010/main">
+                <a:solidFill>
+                  <a:schemeClr val="accent1"/>
+                </a:solidFill>
+              </a14:hiddenFill>
+            </a:ext>
+            <a:ext uri="{91240B29-F687-4F45-9708-019B960494DF}">
+              <a14:hiddenLine xmlns:a14="http://schemas.microsoft.com/office/drawing/2010/main" w="9525">
+                <a:solidFill>
+                  <a:schemeClr val="tx1"/>
+                </a:solidFill>
+                <a:miter lim="800000"/>
+                <a:headEnd/>
+                <a:tailEnd/>
+              </a14:hiddenLine>
+            </a:ext>
+            <a:ext uri="{AF507438-7753-43E0-B8FC-AC1667EBCBE1}">
+              <a14:hiddenEffects xmlns:a14="http://schemas.microsoft.com/office/drawing/2010/main">
+                <a:effectLst>
+                  <a:outerShdw dist="35921" dir="2700000" algn="ctr" rotWithShape="0">
+                    <a:schemeClr val="bg2"/>
+                  </a:outerShdw>
+                </a:effectLst>
+              </a14:hiddenEffects>
+            </a:ext>
+          </a:extLst>
+        </p:spPr>
+      </p:pic>
+    </p:spTree>
+    <p:extLst>
+      <p:ext uri="{BB962C8B-B14F-4D97-AF65-F5344CB8AC3E}">
+        <p14:creationId xmlns:p14="http://schemas.microsoft.com/office/powerpoint/2010/main" val="3764587867"/>
+      </p:ext>
+    </p:extLst>
+  </p:cSld>
+  <p:clrMapOvr>
+    <a:masterClrMapping/>
+  </p:clrMapOvr>
+</p:sld>
+</file>
+
+<file path=ppt/slides/slide5.xml><?xml version="1.0" encoding="utf-8"?>
+<p:sld xmlns:a="http://schemas.openxmlformats.org/drawingml/2006/main" xmlns:r="http://schemas.openxmlformats.org/officeDocument/2006/relationships" xmlns:p="http://schemas.openxmlformats.org/presentationml/2006/main">
+  <p:cSld>
+    <p:spTree>
+      <p:nvGrpSpPr>
+        <p:cNvPr id="1" name=""/>
+        <p:cNvGrpSpPr/>
+        <p:nvPr/>
+      </p:nvGrpSpPr>
+      <p:grpSpPr>
+        <a:xfrm>
+          <a:off x="0" y="0"/>
+          <a:ext cx="0" cy="0"/>
+          <a:chOff x="0" y="0"/>
+          <a:chExt cx="0" cy="0"/>
+        </a:xfrm>
+      </p:grpSpPr>
+      <p:sp>
+        <p:nvSpPr>
+          <p:cNvPr id="2" name="Title 1">
+            <a:extLst>
+              <a:ext uri="{FF2B5EF4-FFF2-40B4-BE49-F238E27FC236}">
+                <a16:creationId xmlns="" xmlns:a16="http://schemas.microsoft.com/office/drawing/2014/main" id="{851CD867-4505-427E-8DE9-FDA73375D23C}"/>
+              </a:ext>
+            </a:extLst>
+          </p:cNvPr>
+          <p:cNvSpPr>
+            <a:spLocks noGrp="1"/>
+          </p:cNvSpPr>
+          <p:nvPr>
+            <p:ph type="ctrTitle"/>
+          </p:nvPr>
+        </p:nvSpPr>
+        <p:spPr>
+          <a:xfrm>
+            <a:off x="94696" y="74798"/>
+            <a:ext cx="9144000" cy="431229"/>
+          </a:xfrm>
+        </p:spPr>
+        <p:txBody>
+          <a:bodyPr>
+            <a:normAutofit/>
+          </a:bodyPr>
+          <a:lstStyle/>
+          <a:p>
+            <a:pPr algn="l"/>
+            <a:r>
+              <a:rPr lang="en-US" sz="1800" b="1" dirty="0">
+                <a:solidFill>
+                  <a:srgbClr val="24292F"/>
+                </a:solidFill>
+                <a:effectLst/>
+                <a:latin typeface="Segoe UI" panose="020B0502040204020203" pitchFamily="34" charset="0"/>
+                <a:ea typeface="Times New Roman" panose="02020603050405020304" pitchFamily="18" charset="0"/>
+                <a:cs typeface="Times New Roman" panose="02020603050405020304" pitchFamily="18" charset="0"/>
+              </a:rPr>
+              <a:t>LTE Cell Search:</a:t>
+            </a:r>
+            <a:endParaRPr lang="en-US" dirty="0"/>
+          </a:p>
+        </p:txBody>
+      </p:sp>
+      <p:sp>
+        <p:nvSpPr>
+          <p:cNvPr id="6" name="TextBox 5">
+            <a:extLst>
+              <a:ext uri="{FF2B5EF4-FFF2-40B4-BE49-F238E27FC236}">
+                <a16:creationId xmlns="" xmlns:a16="http://schemas.microsoft.com/office/drawing/2014/main" id="{684700B0-5788-46E9-BF03-6C5C206A9276}"/>
               </a:ext>
             </a:extLst>
           </p:cNvPr>
@@ -4110,7 +4576,7 @@
               </a:spcAft>
             </a:pPr>
             <a:r>
-              <a:rPr lang="en-US" sz="1800" dirty="0">
+              <a:rPr lang="en-US" sz="1800" dirty="0" err="1" smtClean="0">
                 <a:solidFill>
                   <a:srgbClr val="24292F"/>
                 </a:solidFill>
@@ -4119,7 +4585,102 @@
                 <a:ea typeface="Times New Roman" panose="02020603050405020304" pitchFamily="18" charset="0"/>
                 <a:cs typeface="Times New Roman" panose="02020603050405020304" pitchFamily="18" charset="0"/>
               </a:rPr>
-              <a:t>Figure showing the Vivado block diagram for Vitis Custom implementation:</a:t>
+              <a:t>Vivado</a:t>
+            </a:r>
+            <a:r>
+              <a:rPr lang="en-US" sz="1800" dirty="0" smtClean="0">
+                <a:solidFill>
+                  <a:srgbClr val="24292F"/>
+                </a:solidFill>
+                <a:effectLst/>
+                <a:latin typeface="Segoe UI" panose="020B0502040204020203" pitchFamily="34" charset="0"/>
+                <a:ea typeface="Times New Roman" panose="02020603050405020304" pitchFamily="18" charset="0"/>
+                <a:cs typeface="Times New Roman" panose="02020603050405020304" pitchFamily="18" charset="0"/>
+              </a:rPr>
+              <a:t> </a:t>
+            </a:r>
+            <a:r>
+              <a:rPr lang="en-US" dirty="0">
+                <a:solidFill>
+                  <a:srgbClr val="24292F"/>
+                </a:solidFill>
+                <a:latin typeface="Segoe UI" panose="020B0502040204020203" pitchFamily="34" charset="0"/>
+                <a:ea typeface="Times New Roman" panose="02020603050405020304" pitchFamily="18" charset="0"/>
+                <a:cs typeface="Times New Roman" panose="02020603050405020304" pitchFamily="18" charset="0"/>
+              </a:rPr>
+              <a:t>B</a:t>
+            </a:r>
+            <a:r>
+              <a:rPr lang="en-US" sz="1800" dirty="0" smtClean="0">
+                <a:solidFill>
+                  <a:srgbClr val="24292F"/>
+                </a:solidFill>
+                <a:effectLst/>
+                <a:latin typeface="Segoe UI" panose="020B0502040204020203" pitchFamily="34" charset="0"/>
+                <a:ea typeface="Times New Roman" panose="02020603050405020304" pitchFamily="18" charset="0"/>
+                <a:cs typeface="Times New Roman" panose="02020603050405020304" pitchFamily="18" charset="0"/>
+              </a:rPr>
+              <a:t>lock Diagram </a:t>
+            </a:r>
+            <a:r>
+              <a:rPr lang="en-US" sz="1800" dirty="0">
+                <a:solidFill>
+                  <a:srgbClr val="24292F"/>
+                </a:solidFill>
+                <a:effectLst/>
+                <a:latin typeface="Segoe UI" panose="020B0502040204020203" pitchFamily="34" charset="0"/>
+                <a:ea typeface="Times New Roman" panose="02020603050405020304" pitchFamily="18" charset="0"/>
+                <a:cs typeface="Times New Roman" panose="02020603050405020304" pitchFamily="18" charset="0"/>
+              </a:rPr>
+              <a:t>for </a:t>
+            </a:r>
+            <a:r>
+              <a:rPr lang="en-US" sz="1800" dirty="0" err="1">
+                <a:solidFill>
+                  <a:srgbClr val="24292F"/>
+                </a:solidFill>
+                <a:effectLst/>
+                <a:latin typeface="Segoe UI" panose="020B0502040204020203" pitchFamily="34" charset="0"/>
+                <a:ea typeface="Times New Roman" panose="02020603050405020304" pitchFamily="18" charset="0"/>
+                <a:cs typeface="Times New Roman" panose="02020603050405020304" pitchFamily="18" charset="0"/>
+              </a:rPr>
+              <a:t>Vitis</a:t>
+            </a:r>
+            <a:r>
+              <a:rPr lang="en-US" sz="1800" dirty="0">
+                <a:solidFill>
+                  <a:srgbClr val="24292F"/>
+                </a:solidFill>
+                <a:effectLst/>
+                <a:latin typeface="Segoe UI" panose="020B0502040204020203" pitchFamily="34" charset="0"/>
+                <a:ea typeface="Times New Roman" panose="02020603050405020304" pitchFamily="18" charset="0"/>
+                <a:cs typeface="Times New Roman" panose="02020603050405020304" pitchFamily="18" charset="0"/>
+              </a:rPr>
+              <a:t> </a:t>
+            </a:r>
+            <a:r>
+              <a:rPr lang="en-US" sz="1800" dirty="0" smtClean="0">
+                <a:solidFill>
+                  <a:srgbClr val="24292F"/>
+                </a:solidFill>
+                <a:effectLst/>
+                <a:latin typeface="Segoe UI" panose="020B0502040204020203" pitchFamily="34" charset="0"/>
+                <a:ea typeface="Times New Roman" panose="02020603050405020304" pitchFamily="18" charset="0"/>
+                <a:cs typeface="Times New Roman" panose="02020603050405020304" pitchFamily="18" charset="0"/>
+              </a:rPr>
+              <a:t>Receiver: </a:t>
+            </a:r>
+            <a:r>
+              <a:rPr lang="en-US" sz="1800" b="1" dirty="0" smtClean="0">
+                <a:solidFill>
+                  <a:srgbClr val="24292F"/>
+                </a:solidFill>
+                <a:effectLst/>
+                <a:latin typeface="Segoe UI" panose="020B0502040204020203" pitchFamily="34" charset="0"/>
+                <a:ea typeface="Times New Roman" panose="02020603050405020304" pitchFamily="18" charset="0"/>
+                <a:cs typeface="Times New Roman" panose="02020603050405020304" pitchFamily="18" charset="0"/>
+              </a:rPr>
+              <a:t>Custom implementation</a:t>
             </a:r>
             <a:endParaRPr lang="en-US" sz="1600" dirty="0">
               <a:effectLst/>
@@ -4132,21 +4693,14 @@
       </p:sp>
       <p:pic>
         <p:nvPicPr>
-          <p:cNvPr id="8" name="Picture 7" descr="image">
-            <a:hlinkClick r:id="rId2" tgtFrame="&quot;_blank&quot;"/>
-            <a:extLst>
-              <a:ext uri="{FF2B5EF4-FFF2-40B4-BE49-F238E27FC236}">
-                <a16:creationId xmlns:a16="http://schemas.microsoft.com/office/drawing/2014/main" id="{DF04CC0B-731E-4CC5-97E4-274A8482B4CB}"/>
-              </a:ext>
-            </a:extLst>
-          </p:cNvPr>
+          <p:cNvPr id="3074" name="Picture 2"/>
           <p:cNvPicPr>
-            <a:picLocks noChangeAspect="1"/>
+            <a:picLocks noChangeAspect="1" noChangeArrowheads="1"/>
           </p:cNvPicPr>
           <p:nvPr/>
         </p:nvPicPr>
         <p:blipFill>
-          <a:blip r:embed="rId3" cstate="print">
+          <a:blip r:embed="rId2">
             <a:extLst>
               <a:ext uri="{28A0092B-C50C-407E-A947-70E740481C1C}">
                 <a14:useLocalDpi xmlns:a14="http://schemas.microsoft.com/office/drawing/2010/main" val="0"/>
@@ -4160,8 +4714,8 @@
         </p:blipFill>
         <p:spPr bwMode="auto">
           <a:xfrm>
-            <a:off x="235615" y="849660"/>
-            <a:ext cx="11706427" cy="5417975"/>
+            <a:off x="47070" y="1087167"/>
+            <a:ext cx="12097306" cy="4769525"/>
           </a:xfrm>
           <a:prstGeom prst="rect">
             <a:avLst/>
@@ -4170,12 +4724,265 @@
           <a:ln>
             <a:noFill/>
           </a:ln>
+          <a:effectLst/>
+          <a:extLst>
+            <a:ext uri="{909E8E84-426E-40DD-AFC4-6F175D3DCCD1}">
+              <a14:hiddenFill xmlns:a14="http://schemas.microsoft.com/office/drawing/2010/main">
+                <a:solidFill>
+                  <a:schemeClr val="accent1"/>
+                </a:solidFill>
+              </a14:hiddenFill>
+            </a:ext>
+            <a:ext uri="{91240B29-F687-4F45-9708-019B960494DF}">
+              <a14:hiddenLine xmlns:a14="http://schemas.microsoft.com/office/drawing/2010/main" w="9525">
+                <a:solidFill>
+                  <a:schemeClr val="tx1"/>
+                </a:solidFill>
+                <a:miter lim="800000"/>
+                <a:headEnd/>
+                <a:tailEnd/>
+              </a14:hiddenLine>
+            </a:ext>
+            <a:ext uri="{AF507438-7753-43E0-B8FC-AC1667EBCBE1}">
+              <a14:hiddenEffects xmlns:a14="http://schemas.microsoft.com/office/drawing/2010/main">
+                <a:effectLst>
+                  <a:outerShdw dist="35921" dir="2700000" algn="ctr" rotWithShape="0">
+                    <a:schemeClr val="bg2"/>
+                  </a:outerShdw>
+                </a:effectLst>
+              </a14:hiddenEffects>
+            </a:ext>
+          </a:extLst>
         </p:spPr>
       </p:pic>
     </p:spTree>
     <p:extLst>
       <p:ext uri="{BB962C8B-B14F-4D97-AF65-F5344CB8AC3E}">
         <p14:creationId xmlns:p14="http://schemas.microsoft.com/office/powerpoint/2010/main" val="2863112661"/>
+      </p:ext>
+    </p:extLst>
+  </p:cSld>
+  <p:clrMapOvr>
+    <a:masterClrMapping/>
+  </p:clrMapOvr>
+</p:sld>
+</file>
+
+<file path=ppt/slides/slide6.xml><?xml version="1.0" encoding="utf-8"?>
+<p:sld xmlns:a="http://schemas.openxmlformats.org/drawingml/2006/main" xmlns:r="http://schemas.openxmlformats.org/officeDocument/2006/relationships" xmlns:p="http://schemas.openxmlformats.org/presentationml/2006/main">
+  <p:cSld>
+    <p:spTree>
+      <p:nvGrpSpPr>
+        <p:cNvPr id="1" name=""/>
+        <p:cNvGrpSpPr/>
+        <p:nvPr/>
+      </p:nvGrpSpPr>
+      <p:grpSpPr>
+        <a:xfrm>
+          <a:off x="0" y="0"/>
+          <a:ext cx="0" cy="0"/>
+          <a:chOff x="0" y="0"/>
+          <a:chExt cx="0" cy="0"/>
+        </a:xfrm>
+      </p:grpSpPr>
+      <p:sp>
+        <p:nvSpPr>
+          <p:cNvPr id="2" name="Title 1">
+            <a:extLst>
+              <a:ext uri="{FF2B5EF4-FFF2-40B4-BE49-F238E27FC236}">
+                <a16:creationId xmlns="" xmlns:a16="http://schemas.microsoft.com/office/drawing/2014/main" id="{851CD867-4505-427E-8DE9-FDA73375D23C}"/>
+              </a:ext>
+            </a:extLst>
+          </p:cNvPr>
+          <p:cNvSpPr>
+            <a:spLocks noGrp="1"/>
+          </p:cNvSpPr>
+          <p:nvPr>
+            <p:ph type="ctrTitle"/>
+          </p:nvPr>
+        </p:nvSpPr>
+        <p:spPr>
+          <a:xfrm>
+            <a:off x="94696" y="74798"/>
+            <a:ext cx="9144000" cy="431229"/>
+          </a:xfrm>
+        </p:spPr>
+        <p:txBody>
+          <a:bodyPr>
+            <a:normAutofit/>
+          </a:bodyPr>
+          <a:lstStyle/>
+          <a:p>
+            <a:pPr algn="l"/>
+            <a:r>
+              <a:rPr lang="en-US" sz="1800" b="1" dirty="0">
+                <a:solidFill>
+                  <a:srgbClr val="24292F"/>
+                </a:solidFill>
+                <a:effectLst/>
+                <a:latin typeface="Segoe UI" panose="020B0502040204020203" pitchFamily="34" charset="0"/>
+                <a:ea typeface="Times New Roman" panose="02020603050405020304" pitchFamily="18" charset="0"/>
+                <a:cs typeface="Times New Roman" panose="02020603050405020304" pitchFamily="18" charset="0"/>
+              </a:rPr>
+              <a:t>LTE Cell Search:</a:t>
+            </a:r>
+            <a:endParaRPr lang="en-US" dirty="0"/>
+          </a:p>
+        </p:txBody>
+      </p:sp>
+      <p:sp>
+        <p:nvSpPr>
+          <p:cNvPr id="6" name="TextBox 5">
+            <a:extLst>
+              <a:ext uri="{FF2B5EF4-FFF2-40B4-BE49-F238E27FC236}">
+                <a16:creationId xmlns="" xmlns:a16="http://schemas.microsoft.com/office/drawing/2014/main" id="{684700B0-5788-46E9-BF03-6C5C206A9276}"/>
+              </a:ext>
+            </a:extLst>
+          </p:cNvPr>
+          <p:cNvSpPr txBox="1"/>
+          <p:nvPr/>
+        </p:nvSpPr>
+        <p:spPr>
+          <a:xfrm>
+            <a:off x="94695" y="475968"/>
+            <a:ext cx="10710021" cy="355803"/>
+          </a:xfrm>
+          <a:prstGeom prst="rect">
+            <a:avLst/>
+          </a:prstGeom>
+          <a:noFill/>
+        </p:spPr>
+        <p:txBody>
+          <a:bodyPr wrap="square">
+            <a:spAutoFit/>
+          </a:bodyPr>
+          <a:lstStyle/>
+          <a:p>
+            <a:pPr>
+              <a:lnSpc>
+                <a:spcPct val="107000"/>
+              </a:lnSpc>
+              <a:spcAft>
+                <a:spcPts val="1200"/>
+              </a:spcAft>
+            </a:pPr>
+            <a:r>
+              <a:rPr lang="en-US" sz="1600" dirty="0" err="1">
+                <a:solidFill>
+                  <a:srgbClr val="24292F"/>
+                </a:solidFill>
+                <a:latin typeface="Segoe UI" panose="020B0502040204020203" pitchFamily="34" charset="0"/>
+                <a:ea typeface="Times New Roman" panose="02020603050405020304" pitchFamily="18" charset="0"/>
+                <a:cs typeface="Times New Roman" panose="02020603050405020304" pitchFamily="18" charset="0"/>
+              </a:rPr>
+              <a:t>Vivado</a:t>
+            </a:r>
+            <a:r>
+              <a:rPr lang="en-US" sz="1600" dirty="0">
+                <a:solidFill>
+                  <a:srgbClr val="24292F"/>
+                </a:solidFill>
+                <a:latin typeface="Segoe UI" panose="020B0502040204020203" pitchFamily="34" charset="0"/>
+                <a:ea typeface="Times New Roman" panose="02020603050405020304" pitchFamily="18" charset="0"/>
+                <a:cs typeface="Times New Roman" panose="02020603050405020304" pitchFamily="18" charset="0"/>
+              </a:rPr>
+              <a:t> Block Diagram for </a:t>
+            </a:r>
+            <a:r>
+              <a:rPr lang="en-US" sz="1600" dirty="0" smtClean="0">
+                <a:effectLst/>
+                <a:latin typeface="Calibri" panose="020F0502020204030204" pitchFamily="34" charset="0"/>
+                <a:ea typeface="Calibri" panose="020F0502020204030204" pitchFamily="34" charset="0"/>
+                <a:cs typeface="Times New Roman" panose="02020603050405020304" pitchFamily="18" charset="0"/>
+              </a:rPr>
+              <a:t>Transmitter: </a:t>
+            </a:r>
+            <a:r>
+              <a:rPr lang="en-US" sz="1600" b="1" dirty="0" smtClean="0">
+                <a:effectLst/>
+                <a:latin typeface="Calibri" panose="020F0502020204030204" pitchFamily="34" charset="0"/>
+                <a:ea typeface="Calibri" panose="020F0502020204030204" pitchFamily="34" charset="0"/>
+                <a:cs typeface="Times New Roman" panose="02020603050405020304" pitchFamily="18" charset="0"/>
+              </a:rPr>
+              <a:t>Loopback Mode</a:t>
+            </a:r>
+            <a:endParaRPr lang="en-US" sz="1600" b="1" dirty="0">
+              <a:effectLst/>
+              <a:latin typeface="Calibri" panose="020F0502020204030204" pitchFamily="34" charset="0"/>
+              <a:ea typeface="Calibri" panose="020F0502020204030204" pitchFamily="34" charset="0"/>
+              <a:cs typeface="Times New Roman" panose="02020603050405020304" pitchFamily="18" charset="0"/>
+            </a:endParaRPr>
+          </a:p>
+        </p:txBody>
+      </p:sp>
+      <p:pic>
+        <p:nvPicPr>
+          <p:cNvPr id="5122" name="Picture 2"/>
+          <p:cNvPicPr>
+            <a:picLocks noChangeAspect="1" noChangeArrowheads="1"/>
+          </p:cNvPicPr>
+          <p:nvPr/>
+        </p:nvPicPr>
+        <p:blipFill>
+          <a:blip r:embed="rId2">
+            <a:extLst>
+              <a:ext uri="{28A0092B-C50C-407E-A947-70E740481C1C}">
+                <a14:useLocalDpi xmlns:a14="http://schemas.microsoft.com/office/drawing/2010/main" val="0"/>
+              </a:ext>
+            </a:extLst>
+          </a:blip>
+          <a:srcRect/>
+          <a:stretch>
+            <a:fillRect/>
+          </a:stretch>
+        </p:blipFill>
+        <p:spPr bwMode="auto">
+          <a:xfrm>
+            <a:off x="47195" y="1662353"/>
+            <a:ext cx="12149839" cy="3865794"/>
+          </a:xfrm>
+          <a:prstGeom prst="rect">
+            <a:avLst/>
+          </a:prstGeom>
+          <a:noFill/>
+          <a:ln>
+            <a:noFill/>
+          </a:ln>
+          <a:effectLst/>
+          <a:extLst>
+            <a:ext uri="{909E8E84-426E-40DD-AFC4-6F175D3DCCD1}">
+              <a14:hiddenFill xmlns:a14="http://schemas.microsoft.com/office/drawing/2010/main">
+                <a:solidFill>
+                  <a:schemeClr val="accent1"/>
+                </a:solidFill>
+              </a14:hiddenFill>
+            </a:ext>
+            <a:ext uri="{91240B29-F687-4F45-9708-019B960494DF}">
+              <a14:hiddenLine xmlns:a14="http://schemas.microsoft.com/office/drawing/2010/main" w="9525">
+                <a:solidFill>
+                  <a:schemeClr val="tx1"/>
+                </a:solidFill>
+                <a:miter lim="800000"/>
+                <a:headEnd/>
+                <a:tailEnd/>
+              </a14:hiddenLine>
+            </a:ext>
+            <a:ext uri="{AF507438-7753-43E0-B8FC-AC1667EBCBE1}">
+              <a14:hiddenEffects xmlns:a14="http://schemas.microsoft.com/office/drawing/2010/main">
+                <a:effectLst>
+                  <a:outerShdw dist="35921" dir="2700000" algn="ctr" rotWithShape="0">
+                    <a:schemeClr val="bg2"/>
+                  </a:outerShdw>
+                </a:effectLst>
+              </a14:hiddenEffects>
+            </a:ext>
+          </a:extLst>
+        </p:spPr>
+      </p:pic>
+    </p:spTree>
+    <p:extLst>
+      <p:ext uri="{BB962C8B-B14F-4D97-AF65-F5344CB8AC3E}">
+        <p14:creationId xmlns:p14="http://schemas.microsoft.com/office/powerpoint/2010/main" val="1100418222"/>
       </p:ext>
     </p:extLst>
   </p:cSld>
@@ -4474,7 +5281,7 @@
   <a:extraClrSchemeLst/>
   <a:extLst>
     <a:ext uri="{05A4C25C-085E-4340-85A3-A5531E510DB2}">
-      <thm15:themeFamily xmlns:thm15="http://schemas.microsoft.com/office/thememl/2012/main" name="Office Theme" id="{62F939B6-93AF-4DB8-9C6B-D6C7DFDC589F}" vid="{4A3C46E8-61CC-4603-A589-7422A47A8E4A}"/>
+      <thm15:themeFamily xmlns="" xmlns:thm15="http://schemas.microsoft.com/office/thememl/2012/main" name="Office Theme" id="{62F939B6-93AF-4DB8-9C6B-D6C7DFDC589F}" vid="{4A3C46E8-61CC-4603-A589-7422A47A8E4A}"/>
     </a:ext>
   </a:extLst>
 </a:theme>
